--- a/doc/workflow.pptx
+++ b/doc/workflow.pptx
@@ -6,7 +6,6 @@
   </p:sldMasterIdLst>
   <p:sldIdLst>
     <p:sldId id="256" r:id="rId2"/>
-    <p:sldId id="257" r:id="rId3"/>
   </p:sldIdLst>
   <p:sldSz cx="12192000" cy="6858000"/>
   <p:notesSz cx="6858000" cy="9144000"/>
@@ -255,7 +254,7 @@
           <a:p>
             <a:fld id="{97249237-E680-49AB-A4BD-077989D31C59}" type="datetimeFigureOut">
               <a:rPr lang="ko-KR" altLang="en-US" smtClean="0"/>
-              <a:t>2024-08-12</a:t>
+              <a:t>2024-08-27</a:t>
             </a:fld>
             <a:endParaRPr lang="ko-KR" altLang="en-US"/>
           </a:p>
@@ -425,7 +424,7 @@
           <a:p>
             <a:fld id="{97249237-E680-49AB-A4BD-077989D31C59}" type="datetimeFigureOut">
               <a:rPr lang="ko-KR" altLang="en-US" smtClean="0"/>
-              <a:t>2024-08-12</a:t>
+              <a:t>2024-08-27</a:t>
             </a:fld>
             <a:endParaRPr lang="ko-KR" altLang="en-US"/>
           </a:p>
@@ -605,7 +604,7 @@
           <a:p>
             <a:fld id="{97249237-E680-49AB-A4BD-077989D31C59}" type="datetimeFigureOut">
               <a:rPr lang="ko-KR" altLang="en-US" smtClean="0"/>
-              <a:t>2024-08-12</a:t>
+              <a:t>2024-08-27</a:t>
             </a:fld>
             <a:endParaRPr lang="ko-KR" altLang="en-US"/>
           </a:p>
@@ -775,7 +774,7 @@
           <a:p>
             <a:fld id="{97249237-E680-49AB-A4BD-077989D31C59}" type="datetimeFigureOut">
               <a:rPr lang="ko-KR" altLang="en-US" smtClean="0"/>
-              <a:t>2024-08-12</a:t>
+              <a:t>2024-08-27</a:t>
             </a:fld>
             <a:endParaRPr lang="ko-KR" altLang="en-US"/>
           </a:p>
@@ -1021,7 +1020,7 @@
           <a:p>
             <a:fld id="{97249237-E680-49AB-A4BD-077989D31C59}" type="datetimeFigureOut">
               <a:rPr lang="ko-KR" altLang="en-US" smtClean="0"/>
-              <a:t>2024-08-12</a:t>
+              <a:t>2024-08-27</a:t>
             </a:fld>
             <a:endParaRPr lang="ko-KR" altLang="en-US"/>
           </a:p>
@@ -1253,7 +1252,7 @@
           <a:p>
             <a:fld id="{97249237-E680-49AB-A4BD-077989D31C59}" type="datetimeFigureOut">
               <a:rPr lang="ko-KR" altLang="en-US" smtClean="0"/>
-              <a:t>2024-08-12</a:t>
+              <a:t>2024-08-27</a:t>
             </a:fld>
             <a:endParaRPr lang="ko-KR" altLang="en-US"/>
           </a:p>
@@ -1620,7 +1619,7 @@
           <a:p>
             <a:fld id="{97249237-E680-49AB-A4BD-077989D31C59}" type="datetimeFigureOut">
               <a:rPr lang="ko-KR" altLang="en-US" smtClean="0"/>
-              <a:t>2024-08-12</a:t>
+              <a:t>2024-08-27</a:t>
             </a:fld>
             <a:endParaRPr lang="ko-KR" altLang="en-US"/>
           </a:p>
@@ -1738,7 +1737,7 @@
           <a:p>
             <a:fld id="{97249237-E680-49AB-A4BD-077989D31C59}" type="datetimeFigureOut">
               <a:rPr lang="ko-KR" altLang="en-US" smtClean="0"/>
-              <a:t>2024-08-12</a:t>
+              <a:t>2024-08-27</a:t>
             </a:fld>
             <a:endParaRPr lang="ko-KR" altLang="en-US"/>
           </a:p>
@@ -1833,7 +1832,7 @@
           <a:p>
             <a:fld id="{97249237-E680-49AB-A4BD-077989D31C59}" type="datetimeFigureOut">
               <a:rPr lang="ko-KR" altLang="en-US" smtClean="0"/>
-              <a:t>2024-08-12</a:t>
+              <a:t>2024-08-27</a:t>
             </a:fld>
             <a:endParaRPr lang="ko-KR" altLang="en-US"/>
           </a:p>
@@ -2110,7 +2109,7 @@
           <a:p>
             <a:fld id="{97249237-E680-49AB-A4BD-077989D31C59}" type="datetimeFigureOut">
               <a:rPr lang="ko-KR" altLang="en-US" smtClean="0"/>
-              <a:t>2024-08-12</a:t>
+              <a:t>2024-08-27</a:t>
             </a:fld>
             <a:endParaRPr lang="ko-KR" altLang="en-US"/>
           </a:p>
@@ -2363,7 +2362,7 @@
           <a:p>
             <a:fld id="{97249237-E680-49AB-A4BD-077989D31C59}" type="datetimeFigureOut">
               <a:rPr lang="ko-KR" altLang="en-US" smtClean="0"/>
-              <a:t>2024-08-12</a:t>
+              <a:t>2024-08-27</a:t>
             </a:fld>
             <a:endParaRPr lang="ko-KR" altLang="en-US"/>
           </a:p>
@@ -2576,7 +2575,7 @@
           <a:p>
             <a:fld id="{97249237-E680-49AB-A4BD-077989D31C59}" type="datetimeFigureOut">
               <a:rPr lang="ko-KR" altLang="en-US" smtClean="0"/>
-              <a:t>2024-08-12</a:t>
+              <a:t>2024-08-27</a:t>
             </a:fld>
             <a:endParaRPr lang="ko-KR" altLang="en-US"/>
           </a:p>
@@ -3087,7 +3086,7 @@
         <p:spPr>
           <a:xfrm>
             <a:off x="1685614" y="866775"/>
-            <a:ext cx="153396" cy="4391026"/>
+            <a:ext cx="153396" cy="4162425"/>
           </a:xfrm>
           <a:prstGeom prst="rect">
             <a:avLst/>
@@ -3576,7 +3575,7 @@
         <p:spPr>
           <a:xfrm>
             <a:off x="8470401" y="2590801"/>
-            <a:ext cx="153396" cy="1440334"/>
+            <a:ext cx="153396" cy="1355401"/>
           </a:xfrm>
           <a:prstGeom prst="rect">
             <a:avLst/>
@@ -3641,7 +3640,7 @@
           </p:nvSpPr>
           <p:spPr>
             <a:xfrm>
-              <a:off x="1998383" y="866775"/>
+              <a:off x="1903508" y="866775"/>
               <a:ext cx="1872128" cy="200025"/>
             </a:xfrm>
             <a:prstGeom prst="rect">
@@ -3671,1605 +3670,7 @@
             </a:fontRef>
           </p:style>
           <p:txBody>
-            <a:bodyPr rtlCol="0" anchor="ctr"/>
-            <a:lstStyle>
-              <a:defPPr>
-                <a:defRPr lang="ko-KR"/>
-              </a:defPPr>
-              <a:lvl1pPr algn="ctr">
-                <a:defRPr sz="1000"/>
-              </a:lvl1pPr>
-              <a:lvl2pPr>
-                <a:defRPr>
-                  <a:solidFill>
-                    <a:schemeClr val="lt1"/>
-                  </a:solidFill>
-                </a:defRPr>
-              </a:lvl2pPr>
-              <a:lvl3pPr>
-                <a:defRPr>
-                  <a:solidFill>
-                    <a:schemeClr val="lt1"/>
-                  </a:solidFill>
-                </a:defRPr>
-              </a:lvl3pPr>
-              <a:lvl4pPr>
-                <a:defRPr>
-                  <a:solidFill>
-                    <a:schemeClr val="lt1"/>
-                  </a:solidFill>
-                </a:defRPr>
-              </a:lvl4pPr>
-              <a:lvl5pPr>
-                <a:defRPr>
-                  <a:solidFill>
-                    <a:schemeClr val="lt1"/>
-                  </a:solidFill>
-                </a:defRPr>
-              </a:lvl5pPr>
-              <a:lvl6pPr>
-                <a:defRPr>
-                  <a:solidFill>
-                    <a:schemeClr val="lt1"/>
-                  </a:solidFill>
-                </a:defRPr>
-              </a:lvl6pPr>
-              <a:lvl7pPr>
-                <a:defRPr>
-                  <a:solidFill>
-                    <a:schemeClr val="lt1"/>
-                  </a:solidFill>
-                </a:defRPr>
-              </a:lvl7pPr>
-              <a:lvl8pPr>
-                <a:defRPr>
-                  <a:solidFill>
-                    <a:schemeClr val="lt1"/>
-                  </a:solidFill>
-                </a:defRPr>
-              </a:lvl8pPr>
-              <a:lvl9pPr>
-                <a:defRPr>
-                  <a:solidFill>
-                    <a:schemeClr val="lt1"/>
-                  </a:solidFill>
-                </a:defRPr>
-              </a:lvl9pPr>
-            </a:lstStyle>
-            <a:p>
-              <a:pPr algn="l"/>
-              <a:r>
-                <a:rPr lang="en-US" altLang="ko-KR" sz="800" dirty="0" smtClean="0">
-                  <a:solidFill>
-                    <a:schemeClr val="tx1"/>
-                  </a:solidFill>
-                </a:rPr>
-                <a:t>/</a:t>
-              </a:r>
-              <a:r>
-                <a:rPr lang="en-US" altLang="ko-KR" sz="800" dirty="0" err="1" smtClean="0">
-                  <a:solidFill>
-                    <a:schemeClr val="tx1"/>
-                  </a:solidFill>
-                </a:rPr>
-                <a:t>api</a:t>
-              </a:r>
-              <a:r>
-                <a:rPr lang="en-US" altLang="ko-KR" sz="800" dirty="0" smtClean="0">
-                  <a:solidFill>
-                    <a:schemeClr val="tx1"/>
-                  </a:solidFill>
-                </a:rPr>
-                <a:t>/token</a:t>
-              </a:r>
-              <a:endParaRPr lang="ko-KR" altLang="en-US" sz="800" dirty="0">
-                <a:solidFill>
-                  <a:schemeClr val="tx1"/>
-                </a:solidFill>
-              </a:endParaRPr>
-            </a:p>
-          </p:txBody>
-        </p:sp>
-        <p:sp>
-          <p:nvSpPr>
-            <p:cNvPr id="27" name="TextBox 26"/>
-            <p:cNvSpPr txBox="1"/>
-            <p:nvPr/>
-          </p:nvSpPr>
-          <p:spPr>
-            <a:xfrm>
-              <a:off x="1998383" y="1072515"/>
-              <a:ext cx="1872128" cy="200025"/>
-            </a:xfrm>
-            <a:prstGeom prst="rect">
-              <a:avLst/>
-            </a:prstGeom>
-            <a:solidFill>
-              <a:schemeClr val="bg1"/>
-            </a:solidFill>
-            <a:ln w="3175">
-              <a:noFill/>
-            </a:ln>
-          </p:spPr>
-          <p:style>
-            <a:lnRef idx="2">
-              <a:schemeClr val="accent1">
-                <a:shade val="50000"/>
-              </a:schemeClr>
-            </a:lnRef>
-            <a:fillRef idx="1">
-              <a:schemeClr val="accent1"/>
-            </a:fillRef>
-            <a:effectRef idx="0">
-              <a:schemeClr val="accent1"/>
-            </a:effectRef>
-            <a:fontRef idx="minor">
-              <a:schemeClr val="lt1"/>
-            </a:fontRef>
-          </p:style>
-          <p:txBody>
-            <a:bodyPr rtlCol="0" anchor="ctr"/>
-            <a:lstStyle>
-              <a:defPPr>
-                <a:defRPr lang="ko-KR"/>
-              </a:defPPr>
-              <a:lvl1pPr algn="ctr">
-                <a:defRPr sz="1000"/>
-              </a:lvl1pPr>
-              <a:lvl2pPr>
-                <a:defRPr>
-                  <a:solidFill>
-                    <a:schemeClr val="lt1"/>
-                  </a:solidFill>
-                </a:defRPr>
-              </a:lvl2pPr>
-              <a:lvl3pPr>
-                <a:defRPr>
-                  <a:solidFill>
-                    <a:schemeClr val="lt1"/>
-                  </a:solidFill>
-                </a:defRPr>
-              </a:lvl3pPr>
-              <a:lvl4pPr>
-                <a:defRPr>
-                  <a:solidFill>
-                    <a:schemeClr val="lt1"/>
-                  </a:solidFill>
-                </a:defRPr>
-              </a:lvl4pPr>
-              <a:lvl5pPr>
-                <a:defRPr>
-                  <a:solidFill>
-                    <a:schemeClr val="lt1"/>
-                  </a:solidFill>
-                </a:defRPr>
-              </a:lvl5pPr>
-              <a:lvl6pPr>
-                <a:defRPr>
-                  <a:solidFill>
-                    <a:schemeClr val="lt1"/>
-                  </a:solidFill>
-                </a:defRPr>
-              </a:lvl6pPr>
-              <a:lvl7pPr>
-                <a:defRPr>
-                  <a:solidFill>
-                    <a:schemeClr val="lt1"/>
-                  </a:solidFill>
-                </a:defRPr>
-              </a:lvl7pPr>
-              <a:lvl8pPr>
-                <a:defRPr>
-                  <a:solidFill>
-                    <a:schemeClr val="lt1"/>
-                  </a:solidFill>
-                </a:defRPr>
-              </a:lvl8pPr>
-              <a:lvl9pPr>
-                <a:defRPr>
-                  <a:solidFill>
-                    <a:schemeClr val="lt1"/>
-                  </a:solidFill>
-                </a:defRPr>
-              </a:lvl9pPr>
-            </a:lstStyle>
-            <a:p>
-              <a:pPr algn="l"/>
-              <a:r>
-                <a:rPr lang="en-US" altLang="ko-KR" sz="800" dirty="0" smtClean="0">
-                  <a:solidFill>
-                    <a:schemeClr val="tx1"/>
-                  </a:solidFill>
-                </a:rPr>
-                <a:t>{token…}</a:t>
-              </a:r>
-              <a:endParaRPr lang="ko-KR" altLang="en-US" sz="800" dirty="0">
-                <a:solidFill>
-                  <a:schemeClr val="tx1"/>
-                </a:solidFill>
-              </a:endParaRPr>
-            </a:p>
-          </p:txBody>
-        </p:sp>
-        <p:cxnSp>
-          <p:nvCxnSpPr>
-            <p:cNvPr id="3" name="직선 화살표 연결선 2"/>
-            <p:cNvCxnSpPr/>
-            <p:nvPr/>
-          </p:nvCxnSpPr>
-          <p:spPr>
-            <a:xfrm>
-              <a:off x="1839010" y="1066800"/>
-              <a:ext cx="2108200" cy="0"/>
-            </a:xfrm>
-            <a:prstGeom prst="straightConnector1">
-              <a:avLst/>
-            </a:prstGeom>
-            <a:ln w="3175">
-              <a:solidFill>
-                <a:schemeClr val="tx1"/>
-              </a:solidFill>
-              <a:headEnd type="none" w="sm" len="med"/>
-              <a:tailEnd type="triangle" w="sm" len="med"/>
-            </a:ln>
-          </p:spPr>
-          <p:style>
-            <a:lnRef idx="1">
-              <a:schemeClr val="accent1"/>
-            </a:lnRef>
-            <a:fillRef idx="0">
-              <a:schemeClr val="accent1"/>
-            </a:fillRef>
-            <a:effectRef idx="0">
-              <a:schemeClr val="accent1"/>
-            </a:effectRef>
-            <a:fontRef idx="minor">
-              <a:schemeClr val="tx1"/>
-            </a:fontRef>
-          </p:style>
-        </p:cxnSp>
-      </p:grpSp>
-      <p:grpSp>
-        <p:nvGrpSpPr>
-          <p:cNvPr id="28" name="그룹 27"/>
-          <p:cNvGrpSpPr/>
-          <p:nvPr/>
-        </p:nvGrpSpPr>
-        <p:grpSpPr>
-          <a:xfrm>
-            <a:off x="1839010" y="1447800"/>
-            <a:ext cx="4369796" cy="405765"/>
-            <a:chOff x="1839010" y="866775"/>
-            <a:chExt cx="4369796" cy="405765"/>
-          </a:xfrm>
-        </p:grpSpPr>
-        <p:sp>
-          <p:nvSpPr>
-            <p:cNvPr id="30" name="TextBox 29"/>
-            <p:cNvSpPr txBox="1"/>
-            <p:nvPr/>
-          </p:nvSpPr>
-          <p:spPr>
-            <a:xfrm>
-              <a:off x="1998382" y="866775"/>
-              <a:ext cx="1872129" cy="200025"/>
-            </a:xfrm>
-            <a:prstGeom prst="rect">
-              <a:avLst/>
-            </a:prstGeom>
-            <a:solidFill>
-              <a:schemeClr val="bg1"/>
-            </a:solidFill>
-            <a:ln w="3175">
-              <a:noFill/>
-            </a:ln>
-          </p:spPr>
-          <p:style>
-            <a:lnRef idx="2">
-              <a:schemeClr val="accent1">
-                <a:shade val="50000"/>
-              </a:schemeClr>
-            </a:lnRef>
-            <a:fillRef idx="1">
-              <a:schemeClr val="accent1"/>
-            </a:fillRef>
-            <a:effectRef idx="0">
-              <a:schemeClr val="accent1"/>
-            </a:effectRef>
-            <a:fontRef idx="minor">
-              <a:schemeClr val="lt1"/>
-            </a:fontRef>
-          </p:style>
-          <p:txBody>
-            <a:bodyPr rtlCol="0" anchor="ctr"/>
-            <a:lstStyle>
-              <a:defPPr>
-                <a:defRPr lang="ko-KR"/>
-              </a:defPPr>
-              <a:lvl1pPr algn="ctr">
-                <a:defRPr sz="1000"/>
-              </a:lvl1pPr>
-              <a:lvl2pPr>
-                <a:defRPr>
-                  <a:solidFill>
-                    <a:schemeClr val="lt1"/>
-                  </a:solidFill>
-                </a:defRPr>
-              </a:lvl2pPr>
-              <a:lvl3pPr>
-                <a:defRPr>
-                  <a:solidFill>
-                    <a:schemeClr val="lt1"/>
-                  </a:solidFill>
-                </a:defRPr>
-              </a:lvl3pPr>
-              <a:lvl4pPr>
-                <a:defRPr>
-                  <a:solidFill>
-                    <a:schemeClr val="lt1"/>
-                  </a:solidFill>
-                </a:defRPr>
-              </a:lvl4pPr>
-              <a:lvl5pPr>
-                <a:defRPr>
-                  <a:solidFill>
-                    <a:schemeClr val="lt1"/>
-                  </a:solidFill>
-                </a:defRPr>
-              </a:lvl5pPr>
-              <a:lvl6pPr>
-                <a:defRPr>
-                  <a:solidFill>
-                    <a:schemeClr val="lt1"/>
-                  </a:solidFill>
-                </a:defRPr>
-              </a:lvl6pPr>
-              <a:lvl7pPr>
-                <a:defRPr>
-                  <a:solidFill>
-                    <a:schemeClr val="lt1"/>
-                  </a:solidFill>
-                </a:defRPr>
-              </a:lvl7pPr>
-              <a:lvl8pPr>
-                <a:defRPr>
-                  <a:solidFill>
-                    <a:schemeClr val="lt1"/>
-                  </a:solidFill>
-                </a:defRPr>
-              </a:lvl8pPr>
-              <a:lvl9pPr>
-                <a:defRPr>
-                  <a:solidFill>
-                    <a:schemeClr val="lt1"/>
-                  </a:solidFill>
-                </a:defRPr>
-              </a:lvl9pPr>
-            </a:lstStyle>
-            <a:p>
-              <a:pPr algn="l"/>
-              <a:r>
-                <a:rPr lang="en-US" altLang="ko-KR" sz="800" dirty="0" err="1" smtClean="0">
-                  <a:solidFill>
-                    <a:schemeClr val="tx1"/>
-                  </a:solidFill>
-                </a:rPr>
-                <a:t>channelActive</a:t>
-              </a:r>
-              <a:r>
-                <a:rPr lang="en-US" altLang="ko-KR" sz="800" dirty="0" smtClean="0">
-                  <a:solidFill>
-                    <a:schemeClr val="tx1"/>
-                  </a:solidFill>
-                </a:rPr>
-                <a:t>(login, token)</a:t>
-              </a:r>
-              <a:endParaRPr lang="ko-KR" altLang="en-US" sz="800" dirty="0">
-                <a:solidFill>
-                  <a:schemeClr val="tx1"/>
-                </a:solidFill>
-              </a:endParaRPr>
-            </a:p>
-          </p:txBody>
-        </p:sp>
-        <p:sp>
-          <p:nvSpPr>
-            <p:cNvPr id="31" name="TextBox 30"/>
-            <p:cNvSpPr txBox="1"/>
-            <p:nvPr/>
-          </p:nvSpPr>
-          <p:spPr>
-            <a:xfrm>
-              <a:off x="1998383" y="1072515"/>
-              <a:ext cx="1324784" cy="200025"/>
-            </a:xfrm>
-            <a:prstGeom prst="rect">
-              <a:avLst/>
-            </a:prstGeom>
-            <a:solidFill>
-              <a:schemeClr val="bg1"/>
-            </a:solidFill>
-            <a:ln w="3175">
-              <a:noFill/>
-            </a:ln>
-          </p:spPr>
-          <p:style>
-            <a:lnRef idx="2">
-              <a:schemeClr val="accent1">
-                <a:shade val="50000"/>
-              </a:schemeClr>
-            </a:lnRef>
-            <a:fillRef idx="1">
-              <a:schemeClr val="accent1"/>
-            </a:fillRef>
-            <a:effectRef idx="0">
-              <a:schemeClr val="accent1"/>
-            </a:effectRef>
-            <a:fontRef idx="minor">
-              <a:schemeClr val="lt1"/>
-            </a:fontRef>
-          </p:style>
-          <p:txBody>
-            <a:bodyPr rtlCol="0" anchor="ctr"/>
-            <a:lstStyle>
-              <a:defPPr>
-                <a:defRPr lang="ko-KR"/>
-              </a:defPPr>
-              <a:lvl1pPr algn="ctr">
-                <a:defRPr sz="1000"/>
-              </a:lvl1pPr>
-              <a:lvl2pPr>
-                <a:defRPr>
-                  <a:solidFill>
-                    <a:schemeClr val="lt1"/>
-                  </a:solidFill>
-                </a:defRPr>
-              </a:lvl2pPr>
-              <a:lvl3pPr>
-                <a:defRPr>
-                  <a:solidFill>
-                    <a:schemeClr val="lt1"/>
-                  </a:solidFill>
-                </a:defRPr>
-              </a:lvl3pPr>
-              <a:lvl4pPr>
-                <a:defRPr>
-                  <a:solidFill>
-                    <a:schemeClr val="lt1"/>
-                  </a:solidFill>
-                </a:defRPr>
-              </a:lvl4pPr>
-              <a:lvl5pPr>
-                <a:defRPr>
-                  <a:solidFill>
-                    <a:schemeClr val="lt1"/>
-                  </a:solidFill>
-                </a:defRPr>
-              </a:lvl5pPr>
-              <a:lvl6pPr>
-                <a:defRPr>
-                  <a:solidFill>
-                    <a:schemeClr val="lt1"/>
-                  </a:solidFill>
-                </a:defRPr>
-              </a:lvl6pPr>
-              <a:lvl7pPr>
-                <a:defRPr>
-                  <a:solidFill>
-                    <a:schemeClr val="lt1"/>
-                  </a:solidFill>
-                </a:defRPr>
-              </a:lvl7pPr>
-              <a:lvl8pPr>
-                <a:defRPr>
-                  <a:solidFill>
-                    <a:schemeClr val="lt1"/>
-                  </a:solidFill>
-                </a:defRPr>
-              </a:lvl8pPr>
-              <a:lvl9pPr>
-                <a:defRPr>
-                  <a:solidFill>
-                    <a:schemeClr val="lt1"/>
-                  </a:solidFill>
-                </a:defRPr>
-              </a:lvl9pPr>
-            </a:lstStyle>
-            <a:p>
-              <a:pPr algn="l"/>
-              <a:r>
-                <a:rPr lang="en-US" altLang="ko-KR" sz="800" dirty="0" err="1" smtClean="0">
-                  <a:solidFill>
-                    <a:schemeClr val="tx1"/>
-                  </a:solidFill>
-                </a:rPr>
-                <a:t>channelRead</a:t>
-              </a:r>
-              <a:endParaRPr lang="ko-KR" altLang="en-US" sz="800" dirty="0">
-                <a:solidFill>
-                  <a:schemeClr val="tx1"/>
-                </a:solidFill>
-              </a:endParaRPr>
-            </a:p>
-          </p:txBody>
-        </p:sp>
-        <p:cxnSp>
-          <p:nvCxnSpPr>
-            <p:cNvPr id="29" name="직선 화살표 연결선 28"/>
-            <p:cNvCxnSpPr/>
-            <p:nvPr/>
-          </p:nvCxnSpPr>
-          <p:spPr>
-            <a:xfrm>
-              <a:off x="1839010" y="1066800"/>
-              <a:ext cx="4369796" cy="0"/>
-            </a:xfrm>
-            <a:prstGeom prst="straightConnector1">
-              <a:avLst/>
-            </a:prstGeom>
-            <a:ln w="3175">
-              <a:solidFill>
-                <a:schemeClr val="tx1"/>
-              </a:solidFill>
-              <a:headEnd type="none" w="sm" len="med"/>
-              <a:tailEnd type="triangle" w="sm" len="med"/>
-            </a:ln>
-          </p:spPr>
-          <p:style>
-            <a:lnRef idx="1">
-              <a:schemeClr val="accent1"/>
-            </a:lnRef>
-            <a:fillRef idx="0">
-              <a:schemeClr val="accent1"/>
-            </a:fillRef>
-            <a:effectRef idx="0">
-              <a:schemeClr val="accent1"/>
-            </a:effectRef>
-            <a:fontRef idx="minor">
-              <a:schemeClr val="tx1"/>
-            </a:fontRef>
-          </p:style>
-        </p:cxnSp>
-      </p:grpSp>
-      <p:grpSp>
-        <p:nvGrpSpPr>
-          <p:cNvPr id="32" name="그룹 31"/>
-          <p:cNvGrpSpPr/>
-          <p:nvPr/>
-        </p:nvGrpSpPr>
-        <p:grpSpPr>
-          <a:xfrm>
-            <a:off x="1839010" y="1905952"/>
-            <a:ext cx="4369796" cy="405765"/>
-            <a:chOff x="1839010" y="866775"/>
-            <a:chExt cx="4369796" cy="405765"/>
-          </a:xfrm>
-        </p:grpSpPr>
-        <p:sp>
-          <p:nvSpPr>
-            <p:cNvPr id="33" name="TextBox 32"/>
-            <p:cNvSpPr txBox="1"/>
-            <p:nvPr/>
-          </p:nvSpPr>
-          <p:spPr>
-            <a:xfrm>
-              <a:off x="1998383" y="866775"/>
-              <a:ext cx="1872128" cy="200025"/>
-            </a:xfrm>
-            <a:prstGeom prst="rect">
-              <a:avLst/>
-            </a:prstGeom>
-            <a:solidFill>
-              <a:schemeClr val="bg1"/>
-            </a:solidFill>
-            <a:ln w="3175">
-              <a:noFill/>
-            </a:ln>
-          </p:spPr>
-          <p:style>
-            <a:lnRef idx="2">
-              <a:schemeClr val="accent1">
-                <a:shade val="50000"/>
-              </a:schemeClr>
-            </a:lnRef>
-            <a:fillRef idx="1">
-              <a:schemeClr val="accent1"/>
-            </a:fillRef>
-            <a:effectRef idx="0">
-              <a:schemeClr val="accent1"/>
-            </a:effectRef>
-            <a:fontRef idx="minor">
-              <a:schemeClr val="lt1"/>
-            </a:fontRef>
-          </p:style>
-          <p:txBody>
-            <a:bodyPr rtlCol="0" anchor="ctr"/>
-            <a:lstStyle>
-              <a:defPPr>
-                <a:defRPr lang="ko-KR"/>
-              </a:defPPr>
-              <a:lvl1pPr algn="ctr">
-                <a:defRPr sz="1000"/>
-              </a:lvl1pPr>
-              <a:lvl2pPr>
-                <a:defRPr>
-                  <a:solidFill>
-                    <a:schemeClr val="lt1"/>
-                  </a:solidFill>
-                </a:defRPr>
-              </a:lvl2pPr>
-              <a:lvl3pPr>
-                <a:defRPr>
-                  <a:solidFill>
-                    <a:schemeClr val="lt1"/>
-                  </a:solidFill>
-                </a:defRPr>
-              </a:lvl3pPr>
-              <a:lvl4pPr>
-                <a:defRPr>
-                  <a:solidFill>
-                    <a:schemeClr val="lt1"/>
-                  </a:solidFill>
-                </a:defRPr>
-              </a:lvl4pPr>
-              <a:lvl5pPr>
-                <a:defRPr>
-                  <a:solidFill>
-                    <a:schemeClr val="lt1"/>
-                  </a:solidFill>
-                </a:defRPr>
-              </a:lvl5pPr>
-              <a:lvl6pPr>
-                <a:defRPr>
-                  <a:solidFill>
-                    <a:schemeClr val="lt1"/>
-                  </a:solidFill>
-                </a:defRPr>
-              </a:lvl6pPr>
-              <a:lvl7pPr>
-                <a:defRPr>
-                  <a:solidFill>
-                    <a:schemeClr val="lt1"/>
-                  </a:solidFill>
-                </a:defRPr>
-              </a:lvl7pPr>
-              <a:lvl8pPr>
-                <a:defRPr>
-                  <a:solidFill>
-                    <a:schemeClr val="lt1"/>
-                  </a:solidFill>
-                </a:defRPr>
-              </a:lvl8pPr>
-              <a:lvl9pPr>
-                <a:defRPr>
-                  <a:solidFill>
-                    <a:schemeClr val="lt1"/>
-                  </a:solidFill>
-                </a:defRPr>
-              </a:lvl9pPr>
-            </a:lstStyle>
-            <a:p>
-              <a:pPr algn="l"/>
-              <a:r>
-                <a:rPr lang="en-US" altLang="ko-KR" sz="800" dirty="0" err="1" smtClean="0">
-                  <a:solidFill>
-                    <a:schemeClr val="tx1"/>
-                  </a:solidFill>
-                </a:rPr>
-                <a:t>Healty</a:t>
-              </a:r>
-              <a:r>
-                <a:rPr lang="en-US" altLang="ko-KR" sz="800" dirty="0" smtClean="0">
-                  <a:solidFill>
-                    <a:schemeClr val="tx1"/>
-                  </a:solidFill>
-                </a:rPr>
-                <a:t> polling(reboot, shutdown…)</a:t>
-              </a:r>
-              <a:endParaRPr lang="ko-KR" altLang="en-US" sz="800" dirty="0">
-                <a:solidFill>
-                  <a:schemeClr val="tx1"/>
-                </a:solidFill>
-              </a:endParaRPr>
-            </a:p>
-          </p:txBody>
-        </p:sp>
-        <p:sp>
-          <p:nvSpPr>
-            <p:cNvPr id="34" name="TextBox 33"/>
-            <p:cNvSpPr txBox="1"/>
-            <p:nvPr/>
-          </p:nvSpPr>
-          <p:spPr>
-            <a:xfrm>
-              <a:off x="1998383" y="1072515"/>
-              <a:ext cx="1872128" cy="200025"/>
-            </a:xfrm>
-            <a:prstGeom prst="rect">
-              <a:avLst/>
-            </a:prstGeom>
-            <a:solidFill>
-              <a:schemeClr val="bg1"/>
-            </a:solidFill>
-            <a:ln w="3175">
-              <a:noFill/>
-            </a:ln>
-          </p:spPr>
-          <p:style>
-            <a:lnRef idx="2">
-              <a:schemeClr val="accent1">
-                <a:shade val="50000"/>
-              </a:schemeClr>
-            </a:lnRef>
-            <a:fillRef idx="1">
-              <a:schemeClr val="accent1"/>
-            </a:fillRef>
-            <a:effectRef idx="0">
-              <a:schemeClr val="accent1"/>
-            </a:effectRef>
-            <a:fontRef idx="minor">
-              <a:schemeClr val="lt1"/>
-            </a:fontRef>
-          </p:style>
-          <p:txBody>
-            <a:bodyPr rtlCol="0" anchor="ctr"/>
-            <a:lstStyle>
-              <a:defPPr>
-                <a:defRPr lang="ko-KR"/>
-              </a:defPPr>
-              <a:lvl1pPr algn="ctr">
-                <a:defRPr sz="1000"/>
-              </a:lvl1pPr>
-              <a:lvl2pPr>
-                <a:defRPr>
-                  <a:solidFill>
-                    <a:schemeClr val="lt1"/>
-                  </a:solidFill>
-                </a:defRPr>
-              </a:lvl2pPr>
-              <a:lvl3pPr>
-                <a:defRPr>
-                  <a:solidFill>
-                    <a:schemeClr val="lt1"/>
-                  </a:solidFill>
-                </a:defRPr>
-              </a:lvl3pPr>
-              <a:lvl4pPr>
-                <a:defRPr>
-                  <a:solidFill>
-                    <a:schemeClr val="lt1"/>
-                  </a:solidFill>
-                </a:defRPr>
-              </a:lvl4pPr>
-              <a:lvl5pPr>
-                <a:defRPr>
-                  <a:solidFill>
-                    <a:schemeClr val="lt1"/>
-                  </a:solidFill>
-                </a:defRPr>
-              </a:lvl5pPr>
-              <a:lvl6pPr>
-                <a:defRPr>
-                  <a:solidFill>
-                    <a:schemeClr val="lt1"/>
-                  </a:solidFill>
-                </a:defRPr>
-              </a:lvl6pPr>
-              <a:lvl7pPr>
-                <a:defRPr>
-                  <a:solidFill>
-                    <a:schemeClr val="lt1"/>
-                  </a:solidFill>
-                </a:defRPr>
-              </a:lvl7pPr>
-              <a:lvl8pPr>
-                <a:defRPr>
-                  <a:solidFill>
-                    <a:schemeClr val="lt1"/>
-                  </a:solidFill>
-                </a:defRPr>
-              </a:lvl8pPr>
-              <a:lvl9pPr>
-                <a:defRPr>
-                  <a:solidFill>
-                    <a:schemeClr val="lt1"/>
-                  </a:solidFill>
-                </a:defRPr>
-              </a:lvl9pPr>
-            </a:lstStyle>
-            <a:p>
-              <a:pPr algn="l"/>
-              <a:r>
-                <a:rPr lang="en-US" altLang="ko-KR" sz="800" dirty="0" err="1">
-                  <a:solidFill>
-                    <a:schemeClr val="tx1"/>
-                  </a:solidFill>
-                </a:rPr>
-                <a:t>channelRead</a:t>
-              </a:r>
-              <a:endParaRPr lang="ko-KR" altLang="en-US" sz="800" dirty="0">
-                <a:solidFill>
-                  <a:schemeClr val="tx1"/>
-                </a:solidFill>
-              </a:endParaRPr>
-            </a:p>
-          </p:txBody>
-        </p:sp>
-        <p:cxnSp>
-          <p:nvCxnSpPr>
-            <p:cNvPr id="35" name="직선 화살표 연결선 34"/>
-            <p:cNvCxnSpPr/>
-            <p:nvPr/>
-          </p:nvCxnSpPr>
-          <p:spPr>
-            <a:xfrm>
-              <a:off x="1839010" y="1066800"/>
-              <a:ext cx="4369796" cy="0"/>
-            </a:xfrm>
-            <a:prstGeom prst="straightConnector1">
-              <a:avLst/>
-            </a:prstGeom>
-            <a:ln w="3175">
-              <a:solidFill>
-                <a:schemeClr val="tx1"/>
-              </a:solidFill>
-              <a:headEnd type="none" w="sm" len="med"/>
-              <a:tailEnd type="triangle" w="sm" len="med"/>
-            </a:ln>
-          </p:spPr>
-          <p:style>
-            <a:lnRef idx="1">
-              <a:schemeClr val="accent1"/>
-            </a:lnRef>
-            <a:fillRef idx="0">
-              <a:schemeClr val="accent1"/>
-            </a:fillRef>
-            <a:effectRef idx="0">
-              <a:schemeClr val="accent1"/>
-            </a:effectRef>
-            <a:fontRef idx="minor">
-              <a:schemeClr val="tx1"/>
-            </a:fontRef>
-          </p:style>
-        </p:cxnSp>
-      </p:grpSp>
-      <p:grpSp>
-        <p:nvGrpSpPr>
-          <p:cNvPr id="36" name="그룹 35"/>
-          <p:cNvGrpSpPr/>
-          <p:nvPr/>
-        </p:nvGrpSpPr>
-        <p:grpSpPr>
-          <a:xfrm>
-            <a:off x="4100606" y="2590801"/>
-            <a:ext cx="4369795" cy="200025"/>
-            <a:chOff x="4100606" y="866775"/>
-            <a:chExt cx="4369795" cy="200025"/>
-          </a:xfrm>
-        </p:grpSpPr>
-        <p:sp>
-          <p:nvSpPr>
-            <p:cNvPr id="37" name="TextBox 36"/>
-            <p:cNvSpPr txBox="1"/>
-            <p:nvPr/>
-          </p:nvSpPr>
-          <p:spPr>
-            <a:xfrm>
-              <a:off x="4111624" y="866775"/>
-              <a:ext cx="1948827" cy="200025"/>
-            </a:xfrm>
-            <a:prstGeom prst="rect">
-              <a:avLst/>
-            </a:prstGeom>
-            <a:solidFill>
-              <a:schemeClr val="bg1"/>
-            </a:solidFill>
-            <a:ln w="3175">
-              <a:noFill/>
-            </a:ln>
-          </p:spPr>
-          <p:style>
-            <a:lnRef idx="2">
-              <a:schemeClr val="accent1">
-                <a:shade val="50000"/>
-              </a:schemeClr>
-            </a:lnRef>
-            <a:fillRef idx="1">
-              <a:schemeClr val="accent1"/>
-            </a:fillRef>
-            <a:effectRef idx="0">
-              <a:schemeClr val="accent1"/>
-            </a:effectRef>
-            <a:fontRef idx="minor">
-              <a:schemeClr val="lt1"/>
-            </a:fontRef>
-          </p:style>
-          <p:txBody>
-            <a:bodyPr rtlCol="0" anchor="ctr"/>
-            <a:lstStyle>
-              <a:defPPr>
-                <a:defRPr lang="ko-KR"/>
-              </a:defPPr>
-              <a:lvl1pPr algn="ctr">
-                <a:defRPr sz="1000"/>
-              </a:lvl1pPr>
-              <a:lvl2pPr>
-                <a:defRPr>
-                  <a:solidFill>
-                    <a:schemeClr val="lt1"/>
-                  </a:solidFill>
-                </a:defRPr>
-              </a:lvl2pPr>
-              <a:lvl3pPr>
-                <a:defRPr>
-                  <a:solidFill>
-                    <a:schemeClr val="lt1"/>
-                  </a:solidFill>
-                </a:defRPr>
-              </a:lvl3pPr>
-              <a:lvl4pPr>
-                <a:defRPr>
-                  <a:solidFill>
-                    <a:schemeClr val="lt1"/>
-                  </a:solidFill>
-                </a:defRPr>
-              </a:lvl4pPr>
-              <a:lvl5pPr>
-                <a:defRPr>
-                  <a:solidFill>
-                    <a:schemeClr val="lt1"/>
-                  </a:solidFill>
-                </a:defRPr>
-              </a:lvl5pPr>
-              <a:lvl6pPr>
-                <a:defRPr>
-                  <a:solidFill>
-                    <a:schemeClr val="lt1"/>
-                  </a:solidFill>
-                </a:defRPr>
-              </a:lvl6pPr>
-              <a:lvl7pPr>
-                <a:defRPr>
-                  <a:solidFill>
-                    <a:schemeClr val="lt1"/>
-                  </a:solidFill>
-                </a:defRPr>
-              </a:lvl7pPr>
-              <a:lvl8pPr>
-                <a:defRPr>
-                  <a:solidFill>
-                    <a:schemeClr val="lt1"/>
-                  </a:solidFill>
-                </a:defRPr>
-              </a:lvl8pPr>
-              <a:lvl9pPr>
-                <a:defRPr>
-                  <a:solidFill>
-                    <a:schemeClr val="lt1"/>
-                  </a:solidFill>
-                </a:defRPr>
-              </a:lvl9pPr>
-            </a:lstStyle>
-            <a:p>
-              <a:pPr algn="l"/>
-              <a:r>
-                <a:rPr lang="en-US" altLang="ko-KR" sz="800" dirty="0" smtClean="0">
-                  <a:solidFill>
-                    <a:schemeClr val="tx1"/>
-                  </a:solidFill>
-                </a:rPr>
-                <a:t>Connect(/</a:t>
-              </a:r>
-              <a:r>
-                <a:rPr lang="en-US" altLang="ko-KR" sz="800" dirty="0" err="1" smtClean="0">
-                  <a:solidFill>
-                    <a:schemeClr val="tx1"/>
-                  </a:solidFill>
-                </a:rPr>
-                <a:t>ws</a:t>
-              </a:r>
-              <a:r>
-                <a:rPr lang="en-US" altLang="ko-KR" sz="800" dirty="0" smtClean="0">
-                  <a:solidFill>
-                    <a:schemeClr val="tx1"/>
-                  </a:solidFill>
-                </a:rPr>
-                <a:t>)</a:t>
-              </a:r>
-              <a:endParaRPr lang="ko-KR" altLang="en-US" sz="800" dirty="0">
-                <a:solidFill>
-                  <a:schemeClr val="tx1"/>
-                </a:solidFill>
-              </a:endParaRPr>
-            </a:p>
-          </p:txBody>
-        </p:sp>
-        <p:cxnSp>
-          <p:nvCxnSpPr>
-            <p:cNvPr id="39" name="직선 화살표 연결선 38"/>
-            <p:cNvCxnSpPr/>
-            <p:nvPr/>
-          </p:nvCxnSpPr>
-          <p:spPr>
-            <a:xfrm>
-              <a:off x="4100606" y="1066800"/>
-              <a:ext cx="4369795" cy="0"/>
-            </a:xfrm>
-            <a:prstGeom prst="straightConnector1">
-              <a:avLst/>
-            </a:prstGeom>
-            <a:ln w="3175">
-              <a:solidFill>
-                <a:schemeClr val="tx1"/>
-              </a:solidFill>
-              <a:headEnd type="triangle" w="sm" len="med"/>
-              <a:tailEnd type="none" w="sm" len="med"/>
-            </a:ln>
-          </p:spPr>
-          <p:style>
-            <a:lnRef idx="1">
-              <a:schemeClr val="accent1"/>
-            </a:lnRef>
-            <a:fillRef idx="0">
-              <a:schemeClr val="accent1"/>
-            </a:fillRef>
-            <a:effectRef idx="0">
-              <a:schemeClr val="accent1"/>
-            </a:effectRef>
-            <a:fontRef idx="minor">
-              <a:schemeClr val="tx1"/>
-            </a:fontRef>
-          </p:style>
-        </p:cxnSp>
-      </p:grpSp>
-      <p:grpSp>
-        <p:nvGrpSpPr>
-          <p:cNvPr id="41" name="그룹 40"/>
-          <p:cNvGrpSpPr/>
-          <p:nvPr/>
-        </p:nvGrpSpPr>
-        <p:grpSpPr>
-          <a:xfrm>
-            <a:off x="4077910" y="3221359"/>
-            <a:ext cx="4392491" cy="200025"/>
-            <a:chOff x="4077910" y="866775"/>
-            <a:chExt cx="4392491" cy="200025"/>
-          </a:xfrm>
-        </p:grpSpPr>
-        <p:sp>
-          <p:nvSpPr>
-            <p:cNvPr id="42" name="TextBox 41"/>
-            <p:cNvSpPr txBox="1"/>
-            <p:nvPr/>
-          </p:nvSpPr>
-          <p:spPr>
-            <a:xfrm>
-              <a:off x="4077910" y="866775"/>
-              <a:ext cx="1948827" cy="200025"/>
-            </a:xfrm>
-            <a:prstGeom prst="rect">
-              <a:avLst/>
-            </a:prstGeom>
-            <a:solidFill>
-              <a:schemeClr val="bg1"/>
-            </a:solidFill>
-            <a:ln w="3175">
-              <a:noFill/>
-            </a:ln>
-          </p:spPr>
-          <p:style>
-            <a:lnRef idx="2">
-              <a:schemeClr val="accent1">
-                <a:shade val="50000"/>
-              </a:schemeClr>
-            </a:lnRef>
-            <a:fillRef idx="1">
-              <a:schemeClr val="accent1"/>
-            </a:fillRef>
-            <a:effectRef idx="0">
-              <a:schemeClr val="accent1"/>
-            </a:effectRef>
-            <a:fontRef idx="minor">
-              <a:schemeClr val="lt1"/>
-            </a:fontRef>
-          </p:style>
-          <p:txBody>
-            <a:bodyPr rtlCol="0" anchor="ctr"/>
-            <a:lstStyle>
-              <a:defPPr>
-                <a:defRPr lang="ko-KR"/>
-              </a:defPPr>
-              <a:lvl1pPr algn="ctr">
-                <a:defRPr sz="1000"/>
-              </a:lvl1pPr>
-              <a:lvl2pPr>
-                <a:defRPr>
-                  <a:solidFill>
-                    <a:schemeClr val="lt1"/>
-                  </a:solidFill>
-                </a:defRPr>
-              </a:lvl2pPr>
-              <a:lvl3pPr>
-                <a:defRPr>
-                  <a:solidFill>
-                    <a:schemeClr val="lt1"/>
-                  </a:solidFill>
-                </a:defRPr>
-              </a:lvl3pPr>
-              <a:lvl4pPr>
-                <a:defRPr>
-                  <a:solidFill>
-                    <a:schemeClr val="lt1"/>
-                  </a:solidFill>
-                </a:defRPr>
-              </a:lvl4pPr>
-              <a:lvl5pPr>
-                <a:defRPr>
-                  <a:solidFill>
-                    <a:schemeClr val="lt1"/>
-                  </a:solidFill>
-                </a:defRPr>
-              </a:lvl5pPr>
-              <a:lvl6pPr>
-                <a:defRPr>
-                  <a:solidFill>
-                    <a:schemeClr val="lt1"/>
-                  </a:solidFill>
-                </a:defRPr>
-              </a:lvl6pPr>
-              <a:lvl7pPr>
-                <a:defRPr>
-                  <a:solidFill>
-                    <a:schemeClr val="lt1"/>
-                  </a:solidFill>
-                </a:defRPr>
-              </a:lvl7pPr>
-              <a:lvl8pPr>
-                <a:defRPr>
-                  <a:solidFill>
-                    <a:schemeClr val="lt1"/>
-                  </a:solidFill>
-                </a:defRPr>
-              </a:lvl8pPr>
-              <a:lvl9pPr>
-                <a:defRPr>
-                  <a:solidFill>
-                    <a:schemeClr val="lt1"/>
-                  </a:solidFill>
-                </a:defRPr>
-              </a:lvl9pPr>
-            </a:lstStyle>
-            <a:p>
-              <a:pPr algn="l"/>
-              <a:r>
-                <a:rPr lang="en-US" altLang="ko-KR" sz="800" dirty="0" smtClean="0">
-                  <a:solidFill>
-                    <a:schemeClr val="tx1"/>
-                  </a:solidFill>
-                </a:rPr>
-                <a:t>Topic receive</a:t>
-              </a:r>
-              <a:endParaRPr lang="ko-KR" altLang="en-US" sz="800" dirty="0">
-                <a:solidFill>
-                  <a:schemeClr val="tx1"/>
-                </a:solidFill>
-              </a:endParaRPr>
-            </a:p>
-          </p:txBody>
-        </p:sp>
-        <p:cxnSp>
-          <p:nvCxnSpPr>
-            <p:cNvPr id="43" name="직선 화살표 연결선 42"/>
-            <p:cNvCxnSpPr/>
-            <p:nvPr/>
-          </p:nvCxnSpPr>
-          <p:spPr>
-            <a:xfrm>
-              <a:off x="4111624" y="1066800"/>
-              <a:ext cx="4358777" cy="0"/>
-            </a:xfrm>
-            <a:prstGeom prst="straightConnector1">
-              <a:avLst/>
-            </a:prstGeom>
-            <a:ln w="3175">
-              <a:solidFill>
-                <a:schemeClr val="tx1"/>
-              </a:solidFill>
-              <a:headEnd type="none" w="sm" len="med"/>
-              <a:tailEnd type="triangle" w="sm" len="med"/>
-            </a:ln>
-          </p:spPr>
-          <p:style>
-            <a:lnRef idx="1">
-              <a:schemeClr val="accent1"/>
-            </a:lnRef>
-            <a:fillRef idx="0">
-              <a:schemeClr val="accent1"/>
-            </a:fillRef>
-            <a:effectRef idx="0">
-              <a:schemeClr val="accent1"/>
-            </a:effectRef>
-            <a:fontRef idx="minor">
-              <a:schemeClr val="tx1"/>
-            </a:fontRef>
-          </p:style>
-        </p:cxnSp>
-      </p:grpSp>
-      <p:grpSp>
-        <p:nvGrpSpPr>
-          <p:cNvPr id="44" name="그룹 43"/>
-          <p:cNvGrpSpPr/>
-          <p:nvPr/>
-        </p:nvGrpSpPr>
-        <p:grpSpPr>
-          <a:xfrm>
-            <a:off x="4100606" y="2904648"/>
-            <a:ext cx="4369795" cy="200025"/>
-            <a:chOff x="4100606" y="866775"/>
-            <a:chExt cx="4369795" cy="200025"/>
-          </a:xfrm>
-        </p:grpSpPr>
-        <p:sp>
-          <p:nvSpPr>
-            <p:cNvPr id="45" name="TextBox 44"/>
-            <p:cNvSpPr txBox="1"/>
-            <p:nvPr/>
-          </p:nvSpPr>
-          <p:spPr>
-            <a:xfrm>
-              <a:off x="4113865" y="866775"/>
-              <a:ext cx="1948827" cy="200025"/>
-            </a:xfrm>
-            <a:prstGeom prst="rect">
-              <a:avLst/>
-            </a:prstGeom>
-            <a:solidFill>
-              <a:schemeClr val="bg1"/>
-            </a:solidFill>
-            <a:ln w="3175">
-              <a:noFill/>
-            </a:ln>
-          </p:spPr>
-          <p:style>
-            <a:lnRef idx="2">
-              <a:schemeClr val="accent1">
-                <a:shade val="50000"/>
-              </a:schemeClr>
-            </a:lnRef>
-            <a:fillRef idx="1">
-              <a:schemeClr val="accent1"/>
-            </a:fillRef>
-            <a:effectRef idx="0">
-              <a:schemeClr val="accent1"/>
-            </a:effectRef>
-            <a:fontRef idx="minor">
-              <a:schemeClr val="lt1"/>
-            </a:fontRef>
-          </p:style>
-          <p:txBody>
-            <a:bodyPr rtlCol="0" anchor="ctr"/>
-            <a:lstStyle>
-              <a:defPPr>
-                <a:defRPr lang="ko-KR"/>
-              </a:defPPr>
-              <a:lvl1pPr algn="ctr">
-                <a:defRPr sz="1000"/>
-              </a:lvl1pPr>
-              <a:lvl2pPr>
-                <a:defRPr>
-                  <a:solidFill>
-                    <a:schemeClr val="lt1"/>
-                  </a:solidFill>
-                </a:defRPr>
-              </a:lvl2pPr>
-              <a:lvl3pPr>
-                <a:defRPr>
-                  <a:solidFill>
-                    <a:schemeClr val="lt1"/>
-                  </a:solidFill>
-                </a:defRPr>
-              </a:lvl3pPr>
-              <a:lvl4pPr>
-                <a:defRPr>
-                  <a:solidFill>
-                    <a:schemeClr val="lt1"/>
-                  </a:solidFill>
-                </a:defRPr>
-              </a:lvl4pPr>
-              <a:lvl5pPr>
-                <a:defRPr>
-                  <a:solidFill>
-                    <a:schemeClr val="lt1"/>
-                  </a:solidFill>
-                </a:defRPr>
-              </a:lvl5pPr>
-              <a:lvl6pPr>
-                <a:defRPr>
-                  <a:solidFill>
-                    <a:schemeClr val="lt1"/>
-                  </a:solidFill>
-                </a:defRPr>
-              </a:lvl6pPr>
-              <a:lvl7pPr>
-                <a:defRPr>
-                  <a:solidFill>
-                    <a:schemeClr val="lt1"/>
-                  </a:solidFill>
-                </a:defRPr>
-              </a:lvl7pPr>
-              <a:lvl8pPr>
-                <a:defRPr>
-                  <a:solidFill>
-                    <a:schemeClr val="lt1"/>
-                  </a:solidFill>
-                </a:defRPr>
-              </a:lvl8pPr>
-              <a:lvl9pPr>
-                <a:defRPr>
-                  <a:solidFill>
-                    <a:schemeClr val="lt1"/>
-                  </a:solidFill>
-                </a:defRPr>
-              </a:lvl9pPr>
-            </a:lstStyle>
-            <a:p>
-              <a:pPr algn="l"/>
-              <a:r>
-                <a:rPr lang="en-US" altLang="ko-KR" sz="800" dirty="0">
-                  <a:solidFill>
-                    <a:schemeClr val="tx1"/>
-                  </a:solidFill>
-                </a:rPr>
-                <a:t>Subscribe(/topic/time, /topic/monitor)</a:t>
-              </a:r>
-              <a:endParaRPr lang="ko-KR" altLang="en-US" sz="800" dirty="0">
-                <a:solidFill>
-                  <a:schemeClr val="tx1"/>
-                </a:solidFill>
-              </a:endParaRPr>
-            </a:p>
-          </p:txBody>
-        </p:sp>
-        <p:cxnSp>
-          <p:nvCxnSpPr>
-            <p:cNvPr id="46" name="직선 화살표 연결선 45"/>
-            <p:cNvCxnSpPr/>
-            <p:nvPr/>
-          </p:nvCxnSpPr>
-          <p:spPr>
-            <a:xfrm>
-              <a:off x="4100606" y="1066800"/>
-              <a:ext cx="4369795" cy="0"/>
-            </a:xfrm>
-            <a:prstGeom prst="straightConnector1">
-              <a:avLst/>
-            </a:prstGeom>
-            <a:ln w="3175">
-              <a:solidFill>
-                <a:schemeClr val="tx1"/>
-              </a:solidFill>
-              <a:headEnd type="triangle" w="sm" len="med"/>
-              <a:tailEnd type="none" w="sm" len="med"/>
-            </a:ln>
-          </p:spPr>
-          <p:style>
-            <a:lnRef idx="1">
-              <a:schemeClr val="accent1"/>
-            </a:lnRef>
-            <a:fillRef idx="0">
-              <a:schemeClr val="accent1"/>
-            </a:fillRef>
-            <a:effectRef idx="0">
-              <a:schemeClr val="accent1"/>
-            </a:effectRef>
-            <a:fontRef idx="minor">
-              <a:schemeClr val="tx1"/>
-            </a:fontRef>
-          </p:style>
-        </p:cxnSp>
-      </p:grpSp>
-      <p:sp>
-        <p:nvSpPr>
-          <p:cNvPr id="47" name="직사각형 46"/>
-          <p:cNvSpPr/>
-          <p:nvPr/>
-        </p:nvSpPr>
-        <p:spPr>
-          <a:xfrm>
-            <a:off x="10161990" y="304800"/>
-            <a:ext cx="1293408" cy="361950"/>
-          </a:xfrm>
-          <a:prstGeom prst="rect">
-            <a:avLst/>
-          </a:prstGeom>
-          <a:solidFill>
-            <a:schemeClr val="bg1"/>
-          </a:solidFill>
-          <a:ln w="3175">
-            <a:solidFill>
-              <a:schemeClr val="tx1"/>
-            </a:solidFill>
-          </a:ln>
-        </p:spPr>
-        <p:style>
-          <a:lnRef idx="2">
-            <a:schemeClr val="accent1">
-              <a:shade val="50000"/>
-            </a:schemeClr>
-          </a:lnRef>
-          <a:fillRef idx="1">
-            <a:schemeClr val="accent1"/>
-          </a:fillRef>
-          <a:effectRef idx="0">
-            <a:schemeClr val="accent1"/>
-          </a:effectRef>
-          <a:fontRef idx="minor">
-            <a:schemeClr val="lt1"/>
-          </a:fontRef>
-        </p:style>
-        <p:txBody>
-          <a:bodyPr rtlCol="0" anchor="ctr"/>
-          <a:lstStyle/>
-          <a:p>
-            <a:pPr algn="ctr"/>
-            <a:r>
-              <a:rPr lang="en-US" altLang="ko-KR" sz="1000" dirty="0" err="1" smtClean="0">
-                <a:solidFill>
-                  <a:schemeClr val="tx1"/>
-                </a:solidFill>
-              </a:rPr>
-              <a:t>postgresql</a:t>
-            </a:r>
-            <a:endParaRPr lang="ko-KR" altLang="en-US" sz="1000" dirty="0">
-              <a:solidFill>
-                <a:schemeClr val="tx1"/>
-              </a:solidFill>
-            </a:endParaRPr>
-          </a:p>
-        </p:txBody>
-      </p:sp>
-      <p:cxnSp>
-        <p:nvCxnSpPr>
-          <p:cNvPr id="48" name="직선 연결선 47"/>
-          <p:cNvCxnSpPr>
-            <a:stCxn id="47" idx="2"/>
-          </p:cNvCxnSpPr>
-          <p:nvPr/>
-        </p:nvCxnSpPr>
-        <p:spPr>
-          <a:xfrm>
-            <a:off x="10808694" y="666750"/>
-            <a:ext cx="0" cy="4667250"/>
-          </a:xfrm>
-          <a:prstGeom prst="line">
-            <a:avLst/>
-          </a:prstGeom>
-          <a:ln w="3175">
-            <a:solidFill>
-              <a:schemeClr val="tx1"/>
-            </a:solidFill>
-          </a:ln>
-        </p:spPr>
-        <p:style>
-          <a:lnRef idx="1">
-            <a:schemeClr val="accent1"/>
-          </a:lnRef>
-          <a:fillRef idx="0">
-            <a:schemeClr val="accent1"/>
-          </a:fillRef>
-          <a:effectRef idx="0">
-            <a:schemeClr val="accent1"/>
-          </a:effectRef>
-          <a:fontRef idx="minor">
-            <a:schemeClr val="tx1"/>
-          </a:fontRef>
-        </p:style>
-      </p:cxnSp>
-      <p:sp>
-        <p:nvSpPr>
-          <p:cNvPr id="49" name="직사각형 48"/>
-          <p:cNvSpPr/>
-          <p:nvPr/>
-        </p:nvSpPr>
-        <p:spPr>
-          <a:xfrm>
-            <a:off x="10731996" y="762000"/>
-            <a:ext cx="153396" cy="4495801"/>
-          </a:xfrm>
-          <a:prstGeom prst="rect">
-            <a:avLst/>
-          </a:prstGeom>
-          <a:solidFill>
-            <a:schemeClr val="bg1"/>
-          </a:solidFill>
-          <a:ln w="3175">
-            <a:solidFill>
-              <a:schemeClr val="tx1"/>
-            </a:solidFill>
-          </a:ln>
-        </p:spPr>
-        <p:style>
-          <a:lnRef idx="2">
-            <a:schemeClr val="accent1">
-              <a:shade val="50000"/>
-            </a:schemeClr>
-          </a:lnRef>
-          <a:fillRef idx="1">
-            <a:schemeClr val="accent1"/>
-          </a:fillRef>
-          <a:effectRef idx="0">
-            <a:schemeClr val="accent1"/>
-          </a:effectRef>
-          <a:fontRef idx="minor">
-            <a:schemeClr val="lt1"/>
-          </a:fontRef>
-        </p:style>
-        <p:txBody>
-          <a:bodyPr rtlCol="0" anchor="ctr"/>
-          <a:lstStyle/>
-          <a:p>
-            <a:pPr algn="ctr"/>
-            <a:endParaRPr lang="ko-KR" altLang="en-US" sz="1000" dirty="0">
-              <a:solidFill>
-                <a:schemeClr val="tx1"/>
-              </a:solidFill>
-            </a:endParaRPr>
-          </a:p>
-        </p:txBody>
-      </p:sp>
-      <p:grpSp>
-        <p:nvGrpSpPr>
-          <p:cNvPr id="50" name="그룹 49"/>
-          <p:cNvGrpSpPr/>
-          <p:nvPr/>
-        </p:nvGrpSpPr>
-        <p:grpSpPr>
-          <a:xfrm>
-            <a:off x="4090085" y="3533775"/>
-            <a:ext cx="4380316" cy="200025"/>
-            <a:chOff x="1839010" y="866775"/>
-            <a:chExt cx="6631391" cy="200025"/>
-          </a:xfrm>
-        </p:grpSpPr>
-        <p:sp>
-          <p:nvSpPr>
-            <p:cNvPr id="51" name="TextBox 50"/>
-            <p:cNvSpPr txBox="1"/>
-            <p:nvPr/>
-          </p:nvSpPr>
-          <p:spPr>
-            <a:xfrm>
-              <a:off x="1854935" y="866775"/>
-              <a:ext cx="2688429" cy="200025"/>
-            </a:xfrm>
-            <a:prstGeom prst="rect">
-              <a:avLst/>
-            </a:prstGeom>
-            <a:solidFill>
-              <a:schemeClr val="bg1"/>
-            </a:solidFill>
-            <a:ln w="3175">
-              <a:noFill/>
-            </a:ln>
-          </p:spPr>
-          <p:style>
-            <a:lnRef idx="2">
-              <a:schemeClr val="accent1">
-                <a:shade val="50000"/>
-              </a:schemeClr>
-            </a:lnRef>
-            <a:fillRef idx="1">
-              <a:schemeClr val="accent1"/>
-            </a:fillRef>
-            <a:effectRef idx="0">
-              <a:schemeClr val="accent1"/>
-            </a:effectRef>
-            <a:fontRef idx="minor">
-              <a:schemeClr val="lt1"/>
-            </a:fontRef>
-          </p:style>
-          <p:txBody>
-            <a:bodyPr rtlCol="0" anchor="ctr"/>
+            <a:bodyPr lIns="0" rIns="0" rtlCol="0" anchor="ctr"/>
             <a:lstStyle>
               <a:defPPr>
                 <a:defRPr lang="ko-KR"/>
@@ -5366,15 +3767,7 @@
                     <a:schemeClr val="tx1"/>
                   </a:solidFill>
                 </a:rPr>
-                <a:t>toAgent</a:t>
-              </a:r>
-              <a:r>
-                <a:rPr lang="en-US" altLang="ko-KR" sz="800" dirty="0" smtClean="0">
-                  <a:solidFill>
-                    <a:schemeClr val="tx1"/>
-                  </a:solidFill>
-                </a:rPr>
-                <a:t> (ex: </a:t>
+                <a:t>getT</a:t>
               </a:r>
               <a:r>
                 <a:rPr lang="en-US" altLang="ko-KR" sz="800" dirty="0" err="1" smtClean="0">
@@ -5382,31 +3775,7 @@
                     <a:schemeClr val="tx1"/>
                   </a:solidFill>
                 </a:rPr>
-                <a:t>dir</a:t>
-              </a:r>
-              <a:r>
-                <a:rPr lang="en-US" altLang="ko-KR" sz="800" dirty="0" smtClean="0">
-                  <a:solidFill>
-                    <a:schemeClr val="tx1"/>
-                  </a:solidFill>
-                </a:rPr>
-                <a:t> /</a:t>
-              </a:r>
-              <a:r>
-                <a:rPr lang="en-US" altLang="ko-KR" sz="800" dirty="0" err="1" smtClean="0">
-                  <a:solidFill>
-                    <a:schemeClr val="tx1"/>
-                  </a:solidFill>
-                </a:rPr>
-                <a:t>tmp</a:t>
-              </a:r>
-              <a:r>
-                <a:rPr lang="en-US" altLang="ko-KR" sz="800" dirty="0" smtClean="0">
-                  <a:solidFill>
-                    <a:schemeClr val="tx1"/>
-                  </a:solidFill>
-                </a:rPr>
-                <a:t>)</a:t>
+                <a:t>oken</a:t>
               </a:r>
               <a:endParaRPr lang="ko-KR" altLang="en-US" sz="800" dirty="0">
                 <a:solidFill>
@@ -5416,454 +3785,16 @@
             </a:p>
           </p:txBody>
         </p:sp>
-        <p:cxnSp>
-          <p:nvCxnSpPr>
-            <p:cNvPr id="52" name="직선 화살표 연결선 51"/>
-            <p:cNvCxnSpPr/>
-            <p:nvPr/>
-          </p:nvCxnSpPr>
-          <p:spPr>
-            <a:xfrm>
-              <a:off x="1839010" y="1066800"/>
-              <a:ext cx="6631391" cy="0"/>
-            </a:xfrm>
-            <a:prstGeom prst="straightConnector1">
-              <a:avLst/>
-            </a:prstGeom>
-            <a:ln w="3175">
-              <a:solidFill>
-                <a:schemeClr val="tx1"/>
-              </a:solidFill>
-              <a:headEnd type="triangle" w="sm" len="med"/>
-              <a:tailEnd type="none" w="sm" len="med"/>
-            </a:ln>
-          </p:spPr>
-          <p:style>
-            <a:lnRef idx="1">
-              <a:schemeClr val="accent1"/>
-            </a:lnRef>
-            <a:fillRef idx="0">
-              <a:schemeClr val="accent1"/>
-            </a:fillRef>
-            <a:effectRef idx="0">
-              <a:schemeClr val="accent1"/>
-            </a:effectRef>
-            <a:fontRef idx="minor">
-              <a:schemeClr val="tx1"/>
-            </a:fontRef>
-          </p:style>
-        </p:cxnSp>
-      </p:grpSp>
-      <p:grpSp>
-        <p:nvGrpSpPr>
-          <p:cNvPr id="53" name="그룹 52"/>
-          <p:cNvGrpSpPr/>
-          <p:nvPr/>
-        </p:nvGrpSpPr>
-        <p:grpSpPr>
-          <a:xfrm>
-            <a:off x="4066739" y="3907155"/>
-            <a:ext cx="6665257" cy="200025"/>
-            <a:chOff x="4066739" y="866775"/>
-            <a:chExt cx="6665257" cy="200025"/>
-          </a:xfrm>
-        </p:grpSpPr>
         <p:sp>
           <p:nvSpPr>
-            <p:cNvPr id="54" name="TextBox 53"/>
+            <p:cNvPr id="27" name="TextBox 26"/>
             <p:cNvSpPr txBox="1"/>
             <p:nvPr/>
           </p:nvSpPr>
           <p:spPr>
             <a:xfrm>
-              <a:off x="4066739" y="866775"/>
-              <a:ext cx="1872129" cy="200025"/>
-            </a:xfrm>
-            <a:prstGeom prst="rect">
-              <a:avLst/>
-            </a:prstGeom>
-            <a:solidFill>
-              <a:schemeClr val="bg1"/>
-            </a:solidFill>
-            <a:ln w="3175">
-              <a:noFill/>
-            </a:ln>
-          </p:spPr>
-          <p:style>
-            <a:lnRef idx="2">
-              <a:schemeClr val="accent1">
-                <a:shade val="50000"/>
-              </a:schemeClr>
-            </a:lnRef>
-            <a:fillRef idx="1">
-              <a:schemeClr val="accent1"/>
-            </a:fillRef>
-            <a:effectRef idx="0">
-              <a:schemeClr val="accent1"/>
-            </a:effectRef>
-            <a:fontRef idx="minor">
-              <a:schemeClr val="lt1"/>
-            </a:fontRef>
-          </p:style>
-          <p:txBody>
-            <a:bodyPr rtlCol="0" anchor="ctr"/>
-            <a:lstStyle>
-              <a:defPPr>
-                <a:defRPr lang="ko-KR"/>
-              </a:defPPr>
-              <a:lvl1pPr algn="ctr">
-                <a:defRPr sz="1000"/>
-              </a:lvl1pPr>
-              <a:lvl2pPr>
-                <a:defRPr>
-                  <a:solidFill>
-                    <a:schemeClr val="lt1"/>
-                  </a:solidFill>
-                </a:defRPr>
-              </a:lvl2pPr>
-              <a:lvl3pPr>
-                <a:defRPr>
-                  <a:solidFill>
-                    <a:schemeClr val="lt1"/>
-                  </a:solidFill>
-                </a:defRPr>
-              </a:lvl3pPr>
-              <a:lvl4pPr>
-                <a:defRPr>
-                  <a:solidFill>
-                    <a:schemeClr val="lt1"/>
-                  </a:solidFill>
-                </a:defRPr>
-              </a:lvl4pPr>
-              <a:lvl5pPr>
-                <a:defRPr>
-                  <a:solidFill>
-                    <a:schemeClr val="lt1"/>
-                  </a:solidFill>
-                </a:defRPr>
-              </a:lvl5pPr>
-              <a:lvl6pPr>
-                <a:defRPr>
-                  <a:solidFill>
-                    <a:schemeClr val="lt1"/>
-                  </a:solidFill>
-                </a:defRPr>
-              </a:lvl6pPr>
-              <a:lvl7pPr>
-                <a:defRPr>
-                  <a:solidFill>
-                    <a:schemeClr val="lt1"/>
-                  </a:solidFill>
-                </a:defRPr>
-              </a:lvl7pPr>
-              <a:lvl8pPr>
-                <a:defRPr>
-                  <a:solidFill>
-                    <a:schemeClr val="lt1"/>
-                  </a:solidFill>
-                </a:defRPr>
-              </a:lvl8pPr>
-              <a:lvl9pPr>
-                <a:defRPr>
-                  <a:solidFill>
-                    <a:schemeClr val="lt1"/>
-                  </a:solidFill>
-                </a:defRPr>
-              </a:lvl9pPr>
-            </a:lstStyle>
-            <a:p>
-              <a:pPr algn="l"/>
-              <a:r>
-                <a:rPr lang="en-US" altLang="ko-KR" sz="800" dirty="0" smtClean="0">
-                  <a:solidFill>
-                    <a:schemeClr val="tx1"/>
-                  </a:solidFill>
-                </a:rPr>
-                <a:t>Notify table insert(</a:t>
-              </a:r>
-              <a:r>
-                <a:rPr lang="en-US" altLang="ko-KR" sz="800" dirty="0" err="1" smtClean="0">
-                  <a:solidFill>
-                    <a:schemeClr val="tx1"/>
-                  </a:solidFill>
-                </a:rPr>
-                <a:t>mq_server</a:t>
-              </a:r>
-              <a:r>
-                <a:rPr lang="en-US" altLang="ko-KR" sz="800" dirty="0" smtClean="0">
-                  <a:solidFill>
-                    <a:schemeClr val="tx1"/>
-                  </a:solidFill>
-                </a:rPr>
-                <a:t>)</a:t>
-              </a:r>
-              <a:endParaRPr lang="ko-KR" altLang="en-US" sz="800" dirty="0">
-                <a:solidFill>
-                  <a:schemeClr val="tx1"/>
-                </a:solidFill>
-              </a:endParaRPr>
-            </a:p>
-          </p:txBody>
-        </p:sp>
-        <p:cxnSp>
-          <p:nvCxnSpPr>
-            <p:cNvPr id="56" name="직선 화살표 연결선 55"/>
-            <p:cNvCxnSpPr/>
-            <p:nvPr/>
-          </p:nvCxnSpPr>
-          <p:spPr>
-            <a:xfrm>
-              <a:off x="4100604" y="1066800"/>
-              <a:ext cx="6631392" cy="0"/>
-            </a:xfrm>
-            <a:prstGeom prst="straightConnector1">
-              <a:avLst/>
-            </a:prstGeom>
-            <a:ln w="3175">
-              <a:solidFill>
-                <a:schemeClr val="tx1"/>
-              </a:solidFill>
-              <a:headEnd type="none" w="sm" len="med"/>
-              <a:tailEnd type="triangle" w="sm" len="med"/>
-            </a:ln>
-          </p:spPr>
-          <p:style>
-            <a:lnRef idx="1">
-              <a:schemeClr val="accent1"/>
-            </a:lnRef>
-            <a:fillRef idx="0">
-              <a:schemeClr val="accent1"/>
-            </a:fillRef>
-            <a:effectRef idx="0">
-              <a:schemeClr val="accent1"/>
-            </a:effectRef>
-            <a:fontRef idx="minor">
-              <a:schemeClr val="tx1"/>
-            </a:fontRef>
-          </p:style>
-        </p:cxnSp>
-      </p:grpSp>
-      <p:pic>
-        <p:nvPicPr>
-          <p:cNvPr id="60" name="그림 59"/>
-          <p:cNvPicPr>
-            <a:picLocks noChangeAspect="1"/>
-          </p:cNvPicPr>
-          <p:nvPr/>
-        </p:nvPicPr>
-        <p:blipFill>
-          <a:blip r:embed="rId2"/>
-          <a:stretch>
-            <a:fillRect/>
-          </a:stretch>
-        </p:blipFill>
-        <p:spPr>
-          <a:xfrm>
-            <a:off x="8667948" y="3602509"/>
-            <a:ext cx="171450" cy="428625"/>
-          </a:xfrm>
-          <a:prstGeom prst="rect">
-            <a:avLst/>
-          </a:prstGeom>
-        </p:spPr>
-      </p:pic>
-      <p:sp>
-        <p:nvSpPr>
-          <p:cNvPr id="61" name="직사각형 60"/>
-          <p:cNvSpPr/>
-          <p:nvPr/>
-        </p:nvSpPr>
-        <p:spPr>
-          <a:xfrm>
-            <a:off x="6208806" y="4346617"/>
-            <a:ext cx="153396" cy="903564"/>
-          </a:xfrm>
-          <a:prstGeom prst="rect">
-            <a:avLst/>
-          </a:prstGeom>
-          <a:solidFill>
-            <a:schemeClr val="bg1"/>
-          </a:solidFill>
-          <a:ln w="3175">
-            <a:solidFill>
-              <a:schemeClr val="tx1"/>
-            </a:solidFill>
-          </a:ln>
-        </p:spPr>
-        <p:style>
-          <a:lnRef idx="2">
-            <a:schemeClr val="accent1">
-              <a:shade val="50000"/>
-            </a:schemeClr>
-          </a:lnRef>
-          <a:fillRef idx="1">
-            <a:schemeClr val="accent1"/>
-          </a:fillRef>
-          <a:effectRef idx="0">
-            <a:schemeClr val="accent1"/>
-          </a:effectRef>
-          <a:fontRef idx="minor">
-            <a:schemeClr val="lt1"/>
-          </a:fontRef>
-        </p:style>
-        <p:txBody>
-          <a:bodyPr rtlCol="0" anchor="ctr"/>
-          <a:lstStyle/>
-          <a:p>
-            <a:pPr algn="ctr"/>
-            <a:endParaRPr lang="ko-KR" altLang="en-US" sz="1000" dirty="0">
-              <a:solidFill>
-                <a:schemeClr val="tx1"/>
-              </a:solidFill>
-            </a:endParaRPr>
-          </a:p>
-        </p:txBody>
-      </p:sp>
-      <p:sp>
-        <p:nvSpPr>
-          <p:cNvPr id="62" name="TextBox 61"/>
-          <p:cNvSpPr txBox="1"/>
-          <p:nvPr/>
-        </p:nvSpPr>
-        <p:spPr>
-          <a:xfrm>
-            <a:off x="6386481" y="4267200"/>
-            <a:ext cx="1948827" cy="200025"/>
-          </a:xfrm>
-          <a:prstGeom prst="rect">
-            <a:avLst/>
-          </a:prstGeom>
-          <a:solidFill>
-            <a:schemeClr val="bg1"/>
-          </a:solidFill>
-          <a:ln w="3175">
-            <a:noFill/>
-          </a:ln>
-        </p:spPr>
-        <p:style>
-          <a:lnRef idx="2">
-            <a:schemeClr val="accent1">
-              <a:shade val="50000"/>
-            </a:schemeClr>
-          </a:lnRef>
-          <a:fillRef idx="1">
-            <a:schemeClr val="accent1"/>
-          </a:fillRef>
-          <a:effectRef idx="0">
-            <a:schemeClr val="accent1"/>
-          </a:effectRef>
-          <a:fontRef idx="minor">
-            <a:schemeClr val="lt1"/>
-          </a:fontRef>
-        </p:style>
-        <p:txBody>
-          <a:bodyPr rtlCol="0" anchor="ctr"/>
-          <a:lstStyle>
-            <a:defPPr>
-              <a:defRPr lang="ko-KR"/>
-            </a:defPPr>
-            <a:lvl1pPr algn="ctr">
-              <a:defRPr sz="1000"/>
-            </a:lvl1pPr>
-            <a:lvl2pPr>
-              <a:defRPr>
-                <a:solidFill>
-                  <a:schemeClr val="lt1"/>
-                </a:solidFill>
-              </a:defRPr>
-            </a:lvl2pPr>
-            <a:lvl3pPr>
-              <a:defRPr>
-                <a:solidFill>
-                  <a:schemeClr val="lt1"/>
-                </a:solidFill>
-              </a:defRPr>
-            </a:lvl3pPr>
-            <a:lvl4pPr>
-              <a:defRPr>
-                <a:solidFill>
-                  <a:schemeClr val="lt1"/>
-                </a:solidFill>
-              </a:defRPr>
-            </a:lvl4pPr>
-            <a:lvl5pPr>
-              <a:defRPr>
-                <a:solidFill>
-                  <a:schemeClr val="lt1"/>
-                </a:solidFill>
-              </a:defRPr>
-            </a:lvl5pPr>
-            <a:lvl6pPr>
-              <a:defRPr>
-                <a:solidFill>
-                  <a:schemeClr val="lt1"/>
-                </a:solidFill>
-              </a:defRPr>
-            </a:lvl6pPr>
-            <a:lvl7pPr>
-              <a:defRPr>
-                <a:solidFill>
-                  <a:schemeClr val="lt1"/>
-                </a:solidFill>
-              </a:defRPr>
-            </a:lvl7pPr>
-            <a:lvl8pPr>
-              <a:defRPr>
-                <a:solidFill>
-                  <a:schemeClr val="lt1"/>
-                </a:solidFill>
-              </a:defRPr>
-            </a:lvl8pPr>
-            <a:lvl9pPr>
-              <a:defRPr>
-                <a:solidFill>
-                  <a:schemeClr val="lt1"/>
-                </a:solidFill>
-              </a:defRPr>
-            </a:lvl9pPr>
-          </a:lstStyle>
-          <a:p>
-            <a:pPr algn="l"/>
-            <a:r>
-              <a:rPr lang="en-US" altLang="ko-KR" sz="800" dirty="0" err="1" smtClean="0">
-                <a:solidFill>
-                  <a:schemeClr val="tx1"/>
-                </a:solidFill>
-              </a:rPr>
-              <a:t>NotifierService</a:t>
-            </a:r>
-            <a:endParaRPr lang="ko-KR" altLang="en-US" sz="800" dirty="0">
-              <a:solidFill>
-                <a:schemeClr val="tx1"/>
-              </a:solidFill>
-            </a:endParaRPr>
-          </a:p>
-        </p:txBody>
-      </p:sp>
-      <p:grpSp>
-        <p:nvGrpSpPr>
-          <p:cNvPr id="63" name="그룹 62"/>
-          <p:cNvGrpSpPr/>
-          <p:nvPr/>
-        </p:nvGrpSpPr>
-        <p:grpSpPr>
-          <a:xfrm>
-            <a:off x="6362202" y="4285655"/>
-            <a:ext cx="4369794" cy="200025"/>
-            <a:chOff x="5266766" y="866775"/>
-            <a:chExt cx="4369794" cy="200025"/>
-          </a:xfrm>
-        </p:grpSpPr>
-        <p:sp>
-          <p:nvSpPr>
-            <p:cNvPr id="64" name="TextBox 63"/>
-            <p:cNvSpPr txBox="1"/>
-            <p:nvPr/>
-          </p:nvSpPr>
-          <p:spPr>
-            <a:xfrm>
-              <a:off x="7650068" y="866775"/>
-              <a:ext cx="1948827" cy="200025"/>
+              <a:off x="1998383" y="1072515"/>
+              <a:ext cx="1872128" cy="200025"/>
             </a:xfrm>
             <a:prstGeom prst="rect">
               <a:avLst/>
@@ -5965,7 +3896,7 @@
                     <a:schemeClr val="tx1"/>
                   </a:solidFill>
                 </a:rPr>
-                <a:t>Notify(</a:t>
+                <a:t>{</a:t>
               </a:r>
               <a:r>
                 <a:rPr lang="en-US" altLang="ko-KR" sz="800" dirty="0" err="1" smtClean="0">
@@ -5973,7 +3904,7 @@
                     <a:schemeClr val="tx1"/>
                   </a:solidFill>
                 </a:rPr>
-                <a:t>mq_server_notify_trigger</a:t>
+                <a:t>json</a:t>
               </a:r>
               <a:r>
                 <a:rPr lang="en-US" altLang="ko-KR" sz="800" dirty="0" smtClean="0">
@@ -5981,13 +3912,1322 @@
                     <a:schemeClr val="tx1"/>
                   </a:solidFill>
                 </a:rPr>
-                <a:t>) </a:t>
+                <a:t> token data…}</a:t>
               </a:r>
               <a:endParaRPr lang="ko-KR" altLang="en-US" sz="800" dirty="0">
                 <a:solidFill>
                   <a:schemeClr val="tx1"/>
                 </a:solidFill>
               </a:endParaRPr>
+            </a:p>
+          </p:txBody>
+        </p:sp>
+        <p:cxnSp>
+          <p:nvCxnSpPr>
+            <p:cNvPr id="3" name="직선 화살표 연결선 2"/>
+            <p:cNvCxnSpPr/>
+            <p:nvPr/>
+          </p:nvCxnSpPr>
+          <p:spPr>
+            <a:xfrm>
+              <a:off x="1839010" y="1066800"/>
+              <a:ext cx="2108200" cy="0"/>
+            </a:xfrm>
+            <a:prstGeom prst="straightConnector1">
+              <a:avLst/>
+            </a:prstGeom>
+            <a:ln w="3175">
+              <a:solidFill>
+                <a:schemeClr val="tx1"/>
+              </a:solidFill>
+              <a:headEnd type="triangle" w="sm" len="med"/>
+              <a:tailEnd type="triangle" w="sm" len="med"/>
+            </a:ln>
+          </p:spPr>
+          <p:style>
+            <a:lnRef idx="1">
+              <a:schemeClr val="accent1"/>
+            </a:lnRef>
+            <a:fillRef idx="0">
+              <a:schemeClr val="accent1"/>
+            </a:fillRef>
+            <a:effectRef idx="0">
+              <a:schemeClr val="accent1"/>
+            </a:effectRef>
+            <a:fontRef idx="minor">
+              <a:schemeClr val="tx1"/>
+            </a:fontRef>
+          </p:style>
+        </p:cxnSp>
+      </p:grpSp>
+      <p:grpSp>
+        <p:nvGrpSpPr>
+          <p:cNvPr id="28" name="그룹 27"/>
+          <p:cNvGrpSpPr/>
+          <p:nvPr/>
+        </p:nvGrpSpPr>
+        <p:grpSpPr>
+          <a:xfrm>
+            <a:off x="1839010" y="1447800"/>
+            <a:ext cx="4369796" cy="200025"/>
+            <a:chOff x="1839010" y="866775"/>
+            <a:chExt cx="4369796" cy="200025"/>
+          </a:xfrm>
+        </p:grpSpPr>
+        <p:sp>
+          <p:nvSpPr>
+            <p:cNvPr id="30" name="TextBox 29"/>
+            <p:cNvSpPr txBox="1"/>
+            <p:nvPr/>
+          </p:nvSpPr>
+          <p:spPr>
+            <a:xfrm>
+              <a:off x="1903507" y="866775"/>
+              <a:ext cx="1872129" cy="200025"/>
+            </a:xfrm>
+            <a:prstGeom prst="rect">
+              <a:avLst/>
+            </a:prstGeom>
+            <a:solidFill>
+              <a:schemeClr val="bg1"/>
+            </a:solidFill>
+            <a:ln w="3175">
+              <a:noFill/>
+            </a:ln>
+          </p:spPr>
+          <p:style>
+            <a:lnRef idx="2">
+              <a:schemeClr val="accent1">
+                <a:shade val="50000"/>
+              </a:schemeClr>
+            </a:lnRef>
+            <a:fillRef idx="1">
+              <a:schemeClr val="accent1"/>
+            </a:fillRef>
+            <a:effectRef idx="0">
+              <a:schemeClr val="accent1"/>
+            </a:effectRef>
+            <a:fontRef idx="minor">
+              <a:schemeClr val="lt1"/>
+            </a:fontRef>
+          </p:style>
+          <p:txBody>
+            <a:bodyPr lIns="0" rIns="0" rtlCol="0" anchor="ctr"/>
+            <a:lstStyle>
+              <a:defPPr>
+                <a:defRPr lang="ko-KR"/>
+              </a:defPPr>
+              <a:lvl1pPr>
+                <a:defRPr sz="800">
+                  <a:solidFill>
+                    <a:schemeClr val="tx1"/>
+                  </a:solidFill>
+                </a:defRPr>
+              </a:lvl1pPr>
+            </a:lstStyle>
+            <a:p>
+              <a:r>
+                <a:rPr lang="en-US" altLang="ko-KR" dirty="0" err="1"/>
+                <a:t>channelActive</a:t>
+              </a:r>
+              <a:r>
+                <a:rPr lang="en-US" altLang="ko-KR" dirty="0"/>
+                <a:t>(login by token)</a:t>
+              </a:r>
+              <a:endParaRPr lang="ko-KR" altLang="en-US" dirty="0"/>
+            </a:p>
+          </p:txBody>
+        </p:sp>
+        <p:cxnSp>
+          <p:nvCxnSpPr>
+            <p:cNvPr id="29" name="직선 화살표 연결선 28"/>
+            <p:cNvCxnSpPr/>
+            <p:nvPr/>
+          </p:nvCxnSpPr>
+          <p:spPr>
+            <a:xfrm>
+              <a:off x="1839010" y="1066800"/>
+              <a:ext cx="4369796" cy="0"/>
+            </a:xfrm>
+            <a:prstGeom prst="straightConnector1">
+              <a:avLst/>
+            </a:prstGeom>
+            <a:ln w="3175">
+              <a:solidFill>
+                <a:schemeClr val="tx1"/>
+              </a:solidFill>
+              <a:headEnd type="none" w="sm" len="med"/>
+              <a:tailEnd type="triangle" w="sm" len="med"/>
+            </a:ln>
+          </p:spPr>
+          <p:style>
+            <a:lnRef idx="1">
+              <a:schemeClr val="accent1"/>
+            </a:lnRef>
+            <a:fillRef idx="0">
+              <a:schemeClr val="accent1"/>
+            </a:fillRef>
+            <a:effectRef idx="0">
+              <a:schemeClr val="accent1"/>
+            </a:effectRef>
+            <a:fontRef idx="minor">
+              <a:schemeClr val="tx1"/>
+            </a:fontRef>
+          </p:style>
+        </p:cxnSp>
+      </p:grpSp>
+      <p:grpSp>
+        <p:nvGrpSpPr>
+          <p:cNvPr id="32" name="그룹 31"/>
+          <p:cNvGrpSpPr/>
+          <p:nvPr/>
+        </p:nvGrpSpPr>
+        <p:grpSpPr>
+          <a:xfrm>
+            <a:off x="1839010" y="1905952"/>
+            <a:ext cx="4369796" cy="2715900"/>
+            <a:chOff x="1839010" y="866775"/>
+            <a:chExt cx="4369796" cy="2715900"/>
+          </a:xfrm>
+        </p:grpSpPr>
+        <p:sp>
+          <p:nvSpPr>
+            <p:cNvPr id="33" name="TextBox 32"/>
+            <p:cNvSpPr txBox="1"/>
+            <p:nvPr/>
+          </p:nvSpPr>
+          <p:spPr>
+            <a:xfrm>
+              <a:off x="1903507" y="866775"/>
+              <a:ext cx="3335618" cy="200025"/>
+            </a:xfrm>
+            <a:prstGeom prst="rect">
+              <a:avLst/>
+            </a:prstGeom>
+            <a:solidFill>
+              <a:schemeClr val="bg1"/>
+            </a:solidFill>
+            <a:ln w="3175">
+              <a:noFill/>
+            </a:ln>
+          </p:spPr>
+          <p:style>
+            <a:lnRef idx="2">
+              <a:schemeClr val="accent1">
+                <a:shade val="50000"/>
+              </a:schemeClr>
+            </a:lnRef>
+            <a:fillRef idx="1">
+              <a:schemeClr val="accent1"/>
+            </a:fillRef>
+            <a:effectRef idx="0">
+              <a:schemeClr val="accent1"/>
+            </a:effectRef>
+            <a:fontRef idx="minor">
+              <a:schemeClr val="lt1"/>
+            </a:fontRef>
+          </p:style>
+          <p:txBody>
+            <a:bodyPr lIns="0" rIns="0" rtlCol="0" anchor="ctr"/>
+            <a:lstStyle>
+              <a:defPPr>
+                <a:defRPr lang="ko-KR"/>
+              </a:defPPr>
+              <a:lvl1pPr>
+                <a:defRPr sz="800">
+                  <a:solidFill>
+                    <a:schemeClr val="tx1"/>
+                  </a:solidFill>
+                </a:defRPr>
+              </a:lvl1pPr>
+            </a:lstStyle>
+            <a:p>
+              <a:r>
+                <a:rPr lang="en-US" altLang="ko-KR" dirty="0" err="1"/>
+                <a:t>HealthyRunner.run</a:t>
+              </a:r>
+              <a:r>
+                <a:rPr lang="en-US" altLang="ko-KR" dirty="0"/>
+                <a:t> (random command reboot, shutdown…)</a:t>
+              </a:r>
+              <a:endParaRPr lang="ko-KR" altLang="en-US" dirty="0"/>
+            </a:p>
+          </p:txBody>
+        </p:sp>
+        <p:cxnSp>
+          <p:nvCxnSpPr>
+            <p:cNvPr id="35" name="직선 화살표 연결선 34"/>
+            <p:cNvCxnSpPr/>
+            <p:nvPr/>
+          </p:nvCxnSpPr>
+          <p:spPr>
+            <a:xfrm>
+              <a:off x="1839010" y="1066800"/>
+              <a:ext cx="4369796" cy="0"/>
+            </a:xfrm>
+            <a:prstGeom prst="straightConnector1">
+              <a:avLst/>
+            </a:prstGeom>
+            <a:ln w="3175">
+              <a:solidFill>
+                <a:schemeClr val="tx1"/>
+              </a:solidFill>
+              <a:headEnd type="none" w="sm" len="med"/>
+              <a:tailEnd type="triangle" w="sm" len="med"/>
+            </a:ln>
+          </p:spPr>
+          <p:style>
+            <a:lnRef idx="1">
+              <a:schemeClr val="accent1"/>
+            </a:lnRef>
+            <a:fillRef idx="0">
+              <a:schemeClr val="accent1"/>
+            </a:fillRef>
+            <a:effectRef idx="0">
+              <a:schemeClr val="accent1"/>
+            </a:effectRef>
+            <a:fontRef idx="minor">
+              <a:schemeClr val="tx1"/>
+            </a:fontRef>
+          </p:style>
+        </p:cxnSp>
+        <p:sp>
+          <p:nvSpPr>
+            <p:cNvPr id="66" name="TextBox 65"/>
+            <p:cNvSpPr txBox="1"/>
+            <p:nvPr/>
+          </p:nvSpPr>
+          <p:spPr>
+            <a:xfrm>
+              <a:off x="1903507" y="3382650"/>
+              <a:ext cx="1872128" cy="200025"/>
+            </a:xfrm>
+            <a:prstGeom prst="rect">
+              <a:avLst/>
+            </a:prstGeom>
+            <a:solidFill>
+              <a:schemeClr val="bg1"/>
+            </a:solidFill>
+            <a:ln w="3175">
+              <a:noFill/>
+            </a:ln>
+          </p:spPr>
+          <p:style>
+            <a:lnRef idx="2">
+              <a:schemeClr val="accent1">
+                <a:shade val="50000"/>
+              </a:schemeClr>
+            </a:lnRef>
+            <a:fillRef idx="1">
+              <a:schemeClr val="accent1"/>
+            </a:fillRef>
+            <a:effectRef idx="0">
+              <a:schemeClr val="accent1"/>
+            </a:effectRef>
+            <a:fontRef idx="minor">
+              <a:schemeClr val="lt1"/>
+            </a:fontRef>
+          </p:style>
+          <p:txBody>
+            <a:bodyPr lIns="0" rIns="0" rtlCol="0" anchor="ctr"/>
+            <a:lstStyle>
+              <a:defPPr>
+                <a:defRPr lang="ko-KR"/>
+              </a:defPPr>
+              <a:lvl1pPr>
+                <a:defRPr sz="800">
+                  <a:solidFill>
+                    <a:schemeClr val="tx1"/>
+                  </a:solidFill>
+                </a:defRPr>
+              </a:lvl1pPr>
+            </a:lstStyle>
+            <a:p>
+              <a:r>
+                <a:rPr lang="en-US" altLang="ko-KR" dirty="0" err="1"/>
+                <a:t>ClientTestHandler.channelRead</a:t>
+              </a:r>
+              <a:endParaRPr lang="ko-KR" altLang="en-US" dirty="0"/>
+            </a:p>
+          </p:txBody>
+        </p:sp>
+      </p:grpSp>
+      <p:grpSp>
+        <p:nvGrpSpPr>
+          <p:cNvPr id="36" name="그룹 35"/>
+          <p:cNvGrpSpPr/>
+          <p:nvPr/>
+        </p:nvGrpSpPr>
+        <p:grpSpPr>
+          <a:xfrm>
+            <a:off x="4100606" y="2627632"/>
+            <a:ext cx="4369795" cy="200025"/>
+            <a:chOff x="4100606" y="903606"/>
+            <a:chExt cx="4369795" cy="200025"/>
+          </a:xfrm>
+        </p:grpSpPr>
+        <p:sp>
+          <p:nvSpPr>
+            <p:cNvPr id="37" name="TextBox 36"/>
+            <p:cNvSpPr txBox="1"/>
+            <p:nvPr/>
+          </p:nvSpPr>
+          <p:spPr>
+            <a:xfrm>
+              <a:off x="6497296" y="903606"/>
+              <a:ext cx="1948827" cy="200025"/>
+            </a:xfrm>
+            <a:prstGeom prst="rect">
+              <a:avLst/>
+            </a:prstGeom>
+            <a:solidFill>
+              <a:schemeClr val="bg1"/>
+            </a:solidFill>
+            <a:ln w="3175">
+              <a:noFill/>
+            </a:ln>
+          </p:spPr>
+          <p:style>
+            <a:lnRef idx="2">
+              <a:schemeClr val="accent1">
+                <a:shade val="50000"/>
+              </a:schemeClr>
+            </a:lnRef>
+            <a:fillRef idx="1">
+              <a:schemeClr val="accent1"/>
+            </a:fillRef>
+            <a:effectRef idx="0">
+              <a:schemeClr val="accent1"/>
+            </a:effectRef>
+            <a:fontRef idx="minor">
+              <a:schemeClr val="lt1"/>
+            </a:fontRef>
+          </p:style>
+          <p:txBody>
+            <a:bodyPr lIns="0" rIns="0" rtlCol="0" anchor="ctr"/>
+            <a:lstStyle>
+              <a:defPPr>
+                <a:defRPr lang="ko-KR"/>
+              </a:defPPr>
+              <a:lvl1pPr>
+                <a:defRPr sz="800">
+                  <a:solidFill>
+                    <a:schemeClr val="tx1"/>
+                  </a:solidFill>
+                </a:defRPr>
+              </a:lvl1pPr>
+            </a:lstStyle>
+            <a:p>
+              <a:pPr algn="r"/>
+              <a:r>
+                <a:rPr lang="en-US" altLang="ko-KR" dirty="0"/>
+                <a:t>Connect(/</a:t>
+              </a:r>
+              <a:r>
+                <a:rPr lang="en-US" altLang="ko-KR" dirty="0" err="1"/>
+                <a:t>ws</a:t>
+              </a:r>
+              <a:r>
+                <a:rPr lang="en-US" altLang="ko-KR" dirty="0"/>
+                <a:t>)</a:t>
+              </a:r>
+              <a:endParaRPr lang="ko-KR" altLang="en-US" dirty="0"/>
+            </a:p>
+          </p:txBody>
+        </p:sp>
+        <p:cxnSp>
+          <p:nvCxnSpPr>
+            <p:cNvPr id="39" name="직선 화살표 연결선 38"/>
+            <p:cNvCxnSpPr/>
+            <p:nvPr/>
+          </p:nvCxnSpPr>
+          <p:spPr>
+            <a:xfrm>
+              <a:off x="4100606" y="1066800"/>
+              <a:ext cx="4369795" cy="0"/>
+            </a:xfrm>
+            <a:prstGeom prst="straightConnector1">
+              <a:avLst/>
+            </a:prstGeom>
+            <a:ln w="3175">
+              <a:solidFill>
+                <a:schemeClr val="tx1"/>
+              </a:solidFill>
+              <a:headEnd type="triangle" w="sm" len="med"/>
+              <a:tailEnd type="none" w="sm" len="med"/>
+            </a:ln>
+          </p:spPr>
+          <p:style>
+            <a:lnRef idx="1">
+              <a:schemeClr val="accent1"/>
+            </a:lnRef>
+            <a:fillRef idx="0">
+              <a:schemeClr val="accent1"/>
+            </a:fillRef>
+            <a:effectRef idx="0">
+              <a:schemeClr val="accent1"/>
+            </a:effectRef>
+            <a:fontRef idx="minor">
+              <a:schemeClr val="tx1"/>
+            </a:fontRef>
+          </p:style>
+        </p:cxnSp>
+      </p:grpSp>
+      <p:grpSp>
+        <p:nvGrpSpPr>
+          <p:cNvPr id="41" name="그룹 40"/>
+          <p:cNvGrpSpPr/>
+          <p:nvPr/>
+        </p:nvGrpSpPr>
+        <p:grpSpPr>
+          <a:xfrm>
+            <a:off x="4111624" y="3265806"/>
+            <a:ext cx="4358777" cy="200025"/>
+            <a:chOff x="4111624" y="911222"/>
+            <a:chExt cx="4358777" cy="200025"/>
+          </a:xfrm>
+        </p:grpSpPr>
+        <p:sp>
+          <p:nvSpPr>
+            <p:cNvPr id="42" name="TextBox 41"/>
+            <p:cNvSpPr txBox="1"/>
+            <p:nvPr/>
+          </p:nvSpPr>
+          <p:spPr>
+            <a:xfrm>
+              <a:off x="4172574" y="911222"/>
+              <a:ext cx="1948827" cy="200025"/>
+            </a:xfrm>
+            <a:prstGeom prst="rect">
+              <a:avLst/>
+            </a:prstGeom>
+            <a:solidFill>
+              <a:schemeClr val="bg1"/>
+            </a:solidFill>
+            <a:ln w="3175">
+              <a:noFill/>
+            </a:ln>
+          </p:spPr>
+          <p:style>
+            <a:lnRef idx="2">
+              <a:schemeClr val="accent1">
+                <a:shade val="50000"/>
+              </a:schemeClr>
+            </a:lnRef>
+            <a:fillRef idx="1">
+              <a:schemeClr val="accent1"/>
+            </a:fillRef>
+            <a:effectRef idx="0">
+              <a:schemeClr val="accent1"/>
+            </a:effectRef>
+            <a:fontRef idx="minor">
+              <a:schemeClr val="lt1"/>
+            </a:fontRef>
+          </p:style>
+          <p:txBody>
+            <a:bodyPr lIns="0" rIns="0" rtlCol="0" anchor="ctr"/>
+            <a:lstStyle>
+              <a:defPPr>
+                <a:defRPr lang="ko-KR"/>
+              </a:defPPr>
+              <a:lvl1pPr>
+                <a:defRPr sz="800">
+                  <a:solidFill>
+                    <a:schemeClr val="tx1"/>
+                  </a:solidFill>
+                </a:defRPr>
+              </a:lvl1pPr>
+            </a:lstStyle>
+            <a:p>
+              <a:r>
+                <a:rPr lang="en-US" altLang="ko-KR" dirty="0"/>
+                <a:t>Topic receive</a:t>
+              </a:r>
+              <a:endParaRPr lang="ko-KR" altLang="en-US" dirty="0"/>
+            </a:p>
+          </p:txBody>
+        </p:sp>
+        <p:cxnSp>
+          <p:nvCxnSpPr>
+            <p:cNvPr id="43" name="직선 화살표 연결선 42"/>
+            <p:cNvCxnSpPr/>
+            <p:nvPr/>
+          </p:nvCxnSpPr>
+          <p:spPr>
+            <a:xfrm>
+              <a:off x="4111624" y="1066800"/>
+              <a:ext cx="4358777" cy="0"/>
+            </a:xfrm>
+            <a:prstGeom prst="straightConnector1">
+              <a:avLst/>
+            </a:prstGeom>
+            <a:ln w="3175">
+              <a:solidFill>
+                <a:schemeClr val="tx1"/>
+              </a:solidFill>
+              <a:headEnd type="none" w="sm" len="med"/>
+              <a:tailEnd type="triangle" w="sm" len="med"/>
+            </a:ln>
+          </p:spPr>
+          <p:style>
+            <a:lnRef idx="1">
+              <a:schemeClr val="accent1"/>
+            </a:lnRef>
+            <a:fillRef idx="0">
+              <a:schemeClr val="accent1"/>
+            </a:fillRef>
+            <a:effectRef idx="0">
+              <a:schemeClr val="accent1"/>
+            </a:effectRef>
+            <a:fontRef idx="minor">
+              <a:schemeClr val="tx1"/>
+            </a:fontRef>
+          </p:style>
+        </p:cxnSp>
+      </p:grpSp>
+      <p:grpSp>
+        <p:nvGrpSpPr>
+          <p:cNvPr id="44" name="그룹 43"/>
+          <p:cNvGrpSpPr/>
+          <p:nvPr/>
+        </p:nvGrpSpPr>
+        <p:grpSpPr>
+          <a:xfrm>
+            <a:off x="4100606" y="2928978"/>
+            <a:ext cx="4369795" cy="200025"/>
+            <a:chOff x="4100606" y="891105"/>
+            <a:chExt cx="4369795" cy="200025"/>
+          </a:xfrm>
+        </p:grpSpPr>
+        <p:sp>
+          <p:nvSpPr>
+            <p:cNvPr id="45" name="TextBox 44"/>
+            <p:cNvSpPr txBox="1"/>
+            <p:nvPr/>
+          </p:nvSpPr>
+          <p:spPr>
+            <a:xfrm>
+              <a:off x="6497296" y="891105"/>
+              <a:ext cx="1948827" cy="200025"/>
+            </a:xfrm>
+            <a:prstGeom prst="rect">
+              <a:avLst/>
+            </a:prstGeom>
+            <a:solidFill>
+              <a:schemeClr val="bg1"/>
+            </a:solidFill>
+            <a:ln w="3175">
+              <a:noFill/>
+            </a:ln>
+          </p:spPr>
+          <p:style>
+            <a:lnRef idx="2">
+              <a:schemeClr val="accent1">
+                <a:shade val="50000"/>
+              </a:schemeClr>
+            </a:lnRef>
+            <a:fillRef idx="1">
+              <a:schemeClr val="accent1"/>
+            </a:fillRef>
+            <a:effectRef idx="0">
+              <a:schemeClr val="accent1"/>
+            </a:effectRef>
+            <a:fontRef idx="minor">
+              <a:schemeClr val="lt1"/>
+            </a:fontRef>
+          </p:style>
+          <p:txBody>
+            <a:bodyPr lIns="0" rIns="0" rtlCol="0" anchor="ctr"/>
+            <a:lstStyle>
+              <a:defPPr>
+                <a:defRPr lang="ko-KR"/>
+              </a:defPPr>
+              <a:lvl1pPr>
+                <a:defRPr sz="800">
+                  <a:solidFill>
+                    <a:schemeClr val="tx1"/>
+                  </a:solidFill>
+                </a:defRPr>
+              </a:lvl1pPr>
+            </a:lstStyle>
+            <a:p>
+              <a:pPr algn="r"/>
+              <a:r>
+                <a:rPr lang="en-US" altLang="ko-KR" dirty="0"/>
+                <a:t>Subscribe(/topic/time, /topic/monitor)</a:t>
+              </a:r>
+              <a:endParaRPr lang="ko-KR" altLang="en-US" dirty="0"/>
+            </a:p>
+          </p:txBody>
+        </p:sp>
+        <p:cxnSp>
+          <p:nvCxnSpPr>
+            <p:cNvPr id="46" name="직선 화살표 연결선 45"/>
+            <p:cNvCxnSpPr/>
+            <p:nvPr/>
+          </p:nvCxnSpPr>
+          <p:spPr>
+            <a:xfrm>
+              <a:off x="4100606" y="1066800"/>
+              <a:ext cx="4369795" cy="0"/>
+            </a:xfrm>
+            <a:prstGeom prst="straightConnector1">
+              <a:avLst/>
+            </a:prstGeom>
+            <a:ln w="3175">
+              <a:solidFill>
+                <a:schemeClr val="tx1"/>
+              </a:solidFill>
+              <a:headEnd type="triangle" w="sm" len="med"/>
+              <a:tailEnd type="none" w="sm" len="med"/>
+            </a:ln>
+          </p:spPr>
+          <p:style>
+            <a:lnRef idx="1">
+              <a:schemeClr val="accent1"/>
+            </a:lnRef>
+            <a:fillRef idx="0">
+              <a:schemeClr val="accent1"/>
+            </a:fillRef>
+            <a:effectRef idx="0">
+              <a:schemeClr val="accent1"/>
+            </a:effectRef>
+            <a:fontRef idx="minor">
+              <a:schemeClr val="tx1"/>
+            </a:fontRef>
+          </p:style>
+        </p:cxnSp>
+      </p:grpSp>
+      <p:sp>
+        <p:nvSpPr>
+          <p:cNvPr id="47" name="직사각형 46"/>
+          <p:cNvSpPr/>
+          <p:nvPr/>
+        </p:nvSpPr>
+        <p:spPr>
+          <a:xfrm>
+            <a:off x="10161990" y="304800"/>
+            <a:ext cx="1293408" cy="361950"/>
+          </a:xfrm>
+          <a:prstGeom prst="rect">
+            <a:avLst/>
+          </a:prstGeom>
+          <a:solidFill>
+            <a:schemeClr val="bg1"/>
+          </a:solidFill>
+          <a:ln w="3175">
+            <a:solidFill>
+              <a:schemeClr val="tx1"/>
+            </a:solidFill>
+          </a:ln>
+        </p:spPr>
+        <p:style>
+          <a:lnRef idx="2">
+            <a:schemeClr val="accent1">
+              <a:shade val="50000"/>
+            </a:schemeClr>
+          </a:lnRef>
+          <a:fillRef idx="1">
+            <a:schemeClr val="accent1"/>
+          </a:fillRef>
+          <a:effectRef idx="0">
+            <a:schemeClr val="accent1"/>
+          </a:effectRef>
+          <a:fontRef idx="minor">
+            <a:schemeClr val="lt1"/>
+          </a:fontRef>
+        </p:style>
+        <p:txBody>
+          <a:bodyPr rtlCol="0" anchor="ctr"/>
+          <a:lstStyle/>
+          <a:p>
+            <a:pPr algn="ctr"/>
+            <a:r>
+              <a:rPr lang="en-US" altLang="ko-KR" sz="1000" dirty="0" err="1" smtClean="0">
+                <a:solidFill>
+                  <a:schemeClr val="tx1"/>
+                </a:solidFill>
+              </a:rPr>
+              <a:t>postgresql</a:t>
+            </a:r>
+            <a:endParaRPr lang="ko-KR" altLang="en-US" sz="1000" dirty="0">
+              <a:solidFill>
+                <a:schemeClr val="tx1"/>
+              </a:solidFill>
+            </a:endParaRPr>
+          </a:p>
+        </p:txBody>
+      </p:sp>
+      <p:cxnSp>
+        <p:nvCxnSpPr>
+          <p:cNvPr id="48" name="직선 연결선 47"/>
+          <p:cNvCxnSpPr>
+            <a:stCxn id="47" idx="2"/>
+          </p:cNvCxnSpPr>
+          <p:nvPr/>
+        </p:nvCxnSpPr>
+        <p:spPr>
+          <a:xfrm>
+            <a:off x="10808694" y="666750"/>
+            <a:ext cx="0" cy="4667250"/>
+          </a:xfrm>
+          <a:prstGeom prst="line">
+            <a:avLst/>
+          </a:prstGeom>
+          <a:ln w="3175">
+            <a:solidFill>
+              <a:schemeClr val="tx1"/>
+            </a:solidFill>
+          </a:ln>
+        </p:spPr>
+        <p:style>
+          <a:lnRef idx="1">
+            <a:schemeClr val="accent1"/>
+          </a:lnRef>
+          <a:fillRef idx="0">
+            <a:schemeClr val="accent1"/>
+          </a:fillRef>
+          <a:effectRef idx="0">
+            <a:schemeClr val="accent1"/>
+          </a:effectRef>
+          <a:fontRef idx="minor">
+            <a:schemeClr val="tx1"/>
+          </a:fontRef>
+        </p:style>
+      </p:cxnSp>
+      <p:sp>
+        <p:nvSpPr>
+          <p:cNvPr id="49" name="직사각형 48"/>
+          <p:cNvSpPr/>
+          <p:nvPr/>
+        </p:nvSpPr>
+        <p:spPr>
+          <a:xfrm>
+            <a:off x="10731996" y="762000"/>
+            <a:ext cx="153396" cy="4495801"/>
+          </a:xfrm>
+          <a:prstGeom prst="rect">
+            <a:avLst/>
+          </a:prstGeom>
+          <a:solidFill>
+            <a:schemeClr val="bg1"/>
+          </a:solidFill>
+          <a:ln w="3175">
+            <a:solidFill>
+              <a:schemeClr val="tx1"/>
+            </a:solidFill>
+          </a:ln>
+        </p:spPr>
+        <p:style>
+          <a:lnRef idx="2">
+            <a:schemeClr val="accent1">
+              <a:shade val="50000"/>
+            </a:schemeClr>
+          </a:lnRef>
+          <a:fillRef idx="1">
+            <a:schemeClr val="accent1"/>
+          </a:fillRef>
+          <a:effectRef idx="0">
+            <a:schemeClr val="accent1"/>
+          </a:effectRef>
+          <a:fontRef idx="minor">
+            <a:schemeClr val="lt1"/>
+          </a:fontRef>
+        </p:style>
+        <p:txBody>
+          <a:bodyPr rtlCol="0" anchor="ctr"/>
+          <a:lstStyle/>
+          <a:p>
+            <a:pPr algn="ctr"/>
+            <a:endParaRPr lang="ko-KR" altLang="en-US" sz="1000" dirty="0">
+              <a:solidFill>
+                <a:schemeClr val="tx1"/>
+              </a:solidFill>
+            </a:endParaRPr>
+          </a:p>
+        </p:txBody>
+      </p:sp>
+      <p:grpSp>
+        <p:nvGrpSpPr>
+          <p:cNvPr id="50" name="그룹 49"/>
+          <p:cNvGrpSpPr/>
+          <p:nvPr/>
+        </p:nvGrpSpPr>
+        <p:grpSpPr>
+          <a:xfrm>
+            <a:off x="4090085" y="3552037"/>
+            <a:ext cx="4380316" cy="200025"/>
+            <a:chOff x="1839010" y="885037"/>
+            <a:chExt cx="6631391" cy="200025"/>
+          </a:xfrm>
+        </p:grpSpPr>
+        <p:sp>
+          <p:nvSpPr>
+            <p:cNvPr id="51" name="TextBox 50"/>
+            <p:cNvSpPr txBox="1"/>
+            <p:nvPr/>
+          </p:nvSpPr>
+          <p:spPr>
+            <a:xfrm>
+              <a:off x="5713333" y="885037"/>
+              <a:ext cx="2688429" cy="200025"/>
+            </a:xfrm>
+            <a:prstGeom prst="rect">
+              <a:avLst/>
+            </a:prstGeom>
+            <a:solidFill>
+              <a:schemeClr val="bg1"/>
+            </a:solidFill>
+            <a:ln w="3175">
+              <a:noFill/>
+            </a:ln>
+          </p:spPr>
+          <p:style>
+            <a:lnRef idx="2">
+              <a:schemeClr val="accent1">
+                <a:shade val="50000"/>
+              </a:schemeClr>
+            </a:lnRef>
+            <a:fillRef idx="1">
+              <a:schemeClr val="accent1"/>
+            </a:fillRef>
+            <a:effectRef idx="0">
+              <a:schemeClr val="accent1"/>
+            </a:effectRef>
+            <a:fontRef idx="minor">
+              <a:schemeClr val="lt1"/>
+            </a:fontRef>
+          </p:style>
+          <p:txBody>
+            <a:bodyPr lIns="0" rIns="0" rtlCol="0" anchor="ctr"/>
+            <a:lstStyle>
+              <a:defPPr>
+                <a:defRPr lang="ko-KR"/>
+              </a:defPPr>
+              <a:lvl1pPr>
+                <a:defRPr sz="800">
+                  <a:solidFill>
+                    <a:schemeClr val="tx1"/>
+                  </a:solidFill>
+                </a:defRPr>
+              </a:lvl1pPr>
+            </a:lstStyle>
+            <a:p>
+              <a:pPr algn="r"/>
+              <a:r>
+                <a:rPr lang="en-US" altLang="ko-KR" dirty="0"/>
+                <a:t>/</a:t>
+              </a:r>
+              <a:r>
+                <a:rPr lang="en-US" altLang="ko-KR" dirty="0" err="1"/>
+                <a:t>api</a:t>
+              </a:r>
+              <a:r>
+                <a:rPr lang="en-US" altLang="ko-KR" dirty="0"/>
+                <a:t>/</a:t>
+              </a:r>
+              <a:r>
+                <a:rPr lang="en-US" altLang="ko-KR" dirty="0" err="1"/>
+                <a:t>toAgent</a:t>
+              </a:r>
+              <a:r>
+                <a:rPr lang="en-US" altLang="ko-KR" dirty="0"/>
+                <a:t> (ex: </a:t>
+              </a:r>
+              <a:r>
+                <a:rPr lang="en-US" altLang="ko-KR" dirty="0" err="1"/>
+                <a:t>dir</a:t>
+              </a:r>
+              <a:r>
+                <a:rPr lang="en-US" altLang="ko-KR" dirty="0"/>
+                <a:t> /</a:t>
+              </a:r>
+              <a:r>
+                <a:rPr lang="en-US" altLang="ko-KR" dirty="0" err="1"/>
+                <a:t>tmp</a:t>
+              </a:r>
+              <a:r>
+                <a:rPr lang="en-US" altLang="ko-KR" dirty="0"/>
+                <a:t>)</a:t>
+              </a:r>
+              <a:endParaRPr lang="ko-KR" altLang="en-US" dirty="0"/>
+            </a:p>
+          </p:txBody>
+        </p:sp>
+        <p:cxnSp>
+          <p:nvCxnSpPr>
+            <p:cNvPr id="52" name="직선 화살표 연결선 51"/>
+            <p:cNvCxnSpPr/>
+            <p:nvPr/>
+          </p:nvCxnSpPr>
+          <p:spPr>
+            <a:xfrm>
+              <a:off x="1839010" y="1066800"/>
+              <a:ext cx="6631391" cy="0"/>
+            </a:xfrm>
+            <a:prstGeom prst="straightConnector1">
+              <a:avLst/>
+            </a:prstGeom>
+            <a:ln w="3175">
+              <a:solidFill>
+                <a:schemeClr val="tx1"/>
+              </a:solidFill>
+              <a:headEnd type="triangle" w="sm" len="med"/>
+              <a:tailEnd type="none" w="sm" len="med"/>
+            </a:ln>
+          </p:spPr>
+          <p:style>
+            <a:lnRef idx="1">
+              <a:schemeClr val="accent1"/>
+            </a:lnRef>
+            <a:fillRef idx="0">
+              <a:schemeClr val="accent1"/>
+            </a:fillRef>
+            <a:effectRef idx="0">
+              <a:schemeClr val="accent1"/>
+            </a:effectRef>
+            <a:fontRef idx="minor">
+              <a:schemeClr val="tx1"/>
+            </a:fontRef>
+          </p:style>
+        </p:cxnSp>
+      </p:grpSp>
+      <p:grpSp>
+        <p:nvGrpSpPr>
+          <p:cNvPr id="53" name="그룹 52"/>
+          <p:cNvGrpSpPr/>
+          <p:nvPr/>
+        </p:nvGrpSpPr>
+        <p:grpSpPr>
+          <a:xfrm>
+            <a:off x="4100604" y="3946202"/>
+            <a:ext cx="6631392" cy="200025"/>
+            <a:chOff x="4100604" y="905822"/>
+            <a:chExt cx="6631392" cy="200025"/>
+          </a:xfrm>
+        </p:grpSpPr>
+        <p:sp>
+          <p:nvSpPr>
+            <p:cNvPr id="54" name="TextBox 53"/>
+            <p:cNvSpPr txBox="1"/>
+            <p:nvPr/>
+          </p:nvSpPr>
+          <p:spPr>
+            <a:xfrm>
+              <a:off x="4177301" y="905822"/>
+              <a:ext cx="1872129" cy="200025"/>
+            </a:xfrm>
+            <a:prstGeom prst="rect">
+              <a:avLst/>
+            </a:prstGeom>
+            <a:solidFill>
+              <a:schemeClr val="bg1"/>
+            </a:solidFill>
+            <a:ln w="3175">
+              <a:noFill/>
+            </a:ln>
+          </p:spPr>
+          <p:style>
+            <a:lnRef idx="2">
+              <a:schemeClr val="accent1">
+                <a:shade val="50000"/>
+              </a:schemeClr>
+            </a:lnRef>
+            <a:fillRef idx="1">
+              <a:schemeClr val="accent1"/>
+            </a:fillRef>
+            <a:effectRef idx="0">
+              <a:schemeClr val="accent1"/>
+            </a:effectRef>
+            <a:fontRef idx="minor">
+              <a:schemeClr val="lt1"/>
+            </a:fontRef>
+          </p:style>
+          <p:txBody>
+            <a:bodyPr lIns="0" rIns="0" rtlCol="0" anchor="ctr"/>
+            <a:lstStyle>
+              <a:defPPr>
+                <a:defRPr lang="ko-KR"/>
+              </a:defPPr>
+              <a:lvl1pPr>
+                <a:defRPr sz="800">
+                  <a:solidFill>
+                    <a:schemeClr val="tx1"/>
+                  </a:solidFill>
+                </a:defRPr>
+              </a:lvl1pPr>
+            </a:lstStyle>
+            <a:p>
+              <a:r>
+                <a:rPr lang="en-US" altLang="ko-KR" dirty="0"/>
+                <a:t>Notify table insert(</a:t>
+              </a:r>
+              <a:r>
+                <a:rPr lang="en-US" altLang="ko-KR" dirty="0" err="1"/>
+                <a:t>mq_server</a:t>
+              </a:r>
+              <a:r>
+                <a:rPr lang="en-US" altLang="ko-KR" dirty="0"/>
+                <a:t>)</a:t>
+              </a:r>
+              <a:endParaRPr lang="ko-KR" altLang="en-US" dirty="0"/>
+            </a:p>
+          </p:txBody>
+        </p:sp>
+        <p:cxnSp>
+          <p:nvCxnSpPr>
+            <p:cNvPr id="56" name="직선 화살표 연결선 55"/>
+            <p:cNvCxnSpPr/>
+            <p:nvPr/>
+          </p:nvCxnSpPr>
+          <p:spPr>
+            <a:xfrm>
+              <a:off x="4100604" y="1066800"/>
+              <a:ext cx="6631392" cy="0"/>
+            </a:xfrm>
+            <a:prstGeom prst="straightConnector1">
+              <a:avLst/>
+            </a:prstGeom>
+            <a:ln w="3175">
+              <a:solidFill>
+                <a:schemeClr val="tx1"/>
+              </a:solidFill>
+              <a:headEnd type="none" w="sm" len="med"/>
+              <a:tailEnd type="triangle" w="sm" len="med"/>
+            </a:ln>
+          </p:spPr>
+          <p:style>
+            <a:lnRef idx="1">
+              <a:schemeClr val="accent1"/>
+            </a:lnRef>
+            <a:fillRef idx="0">
+              <a:schemeClr val="accent1"/>
+            </a:fillRef>
+            <a:effectRef idx="0">
+              <a:schemeClr val="accent1"/>
+            </a:effectRef>
+            <a:fontRef idx="minor">
+              <a:schemeClr val="tx1"/>
+            </a:fontRef>
+          </p:style>
+        </p:cxnSp>
+      </p:grpSp>
+      <p:pic>
+        <p:nvPicPr>
+          <p:cNvPr id="60" name="그림 59"/>
+          <p:cNvPicPr>
+            <a:picLocks noChangeAspect="1"/>
+          </p:cNvPicPr>
+          <p:nvPr/>
+        </p:nvPicPr>
+        <p:blipFill>
+          <a:blip r:embed="rId2"/>
+          <a:stretch>
+            <a:fillRect/>
+          </a:stretch>
+        </p:blipFill>
+        <p:spPr>
+          <a:xfrm>
+            <a:off x="8658784" y="3521155"/>
+            <a:ext cx="171450" cy="428625"/>
+          </a:xfrm>
+          <a:prstGeom prst="rect">
+            <a:avLst/>
+          </a:prstGeom>
+        </p:spPr>
+      </p:pic>
+      <p:sp>
+        <p:nvSpPr>
+          <p:cNvPr id="61" name="직사각형 60"/>
+          <p:cNvSpPr/>
+          <p:nvPr/>
+        </p:nvSpPr>
+        <p:spPr>
+          <a:xfrm>
+            <a:off x="6208806" y="4346618"/>
+            <a:ext cx="153396" cy="414038"/>
+          </a:xfrm>
+          <a:prstGeom prst="rect">
+            <a:avLst/>
+          </a:prstGeom>
+          <a:solidFill>
+            <a:schemeClr val="bg1"/>
+          </a:solidFill>
+          <a:ln w="3175">
+            <a:solidFill>
+              <a:schemeClr val="tx1"/>
+            </a:solidFill>
+          </a:ln>
+        </p:spPr>
+        <p:style>
+          <a:lnRef idx="2">
+            <a:schemeClr val="accent1">
+              <a:shade val="50000"/>
+            </a:schemeClr>
+          </a:lnRef>
+          <a:fillRef idx="1">
+            <a:schemeClr val="accent1"/>
+          </a:fillRef>
+          <a:effectRef idx="0">
+            <a:schemeClr val="accent1"/>
+          </a:effectRef>
+          <a:fontRef idx="minor">
+            <a:schemeClr val="lt1"/>
+          </a:fontRef>
+        </p:style>
+        <p:txBody>
+          <a:bodyPr rtlCol="0" anchor="ctr"/>
+          <a:lstStyle/>
+          <a:p>
+            <a:pPr algn="ctr"/>
+            <a:endParaRPr lang="ko-KR" altLang="en-US" sz="1000" dirty="0">
+              <a:solidFill>
+                <a:schemeClr val="tx1"/>
+              </a:solidFill>
+            </a:endParaRPr>
+          </a:p>
+        </p:txBody>
+      </p:sp>
+      <p:sp>
+        <p:nvSpPr>
+          <p:cNvPr id="62" name="TextBox 61"/>
+          <p:cNvSpPr txBox="1"/>
+          <p:nvPr/>
+        </p:nvSpPr>
+        <p:spPr>
+          <a:xfrm>
+            <a:off x="6447220" y="4316098"/>
+            <a:ext cx="1948827" cy="200025"/>
+          </a:xfrm>
+          <a:prstGeom prst="rect">
+            <a:avLst/>
+          </a:prstGeom>
+          <a:solidFill>
+            <a:schemeClr val="bg1"/>
+          </a:solidFill>
+          <a:ln w="3175">
+            <a:noFill/>
+          </a:ln>
+        </p:spPr>
+        <p:style>
+          <a:lnRef idx="2">
+            <a:schemeClr val="accent1">
+              <a:shade val="50000"/>
+            </a:schemeClr>
+          </a:lnRef>
+          <a:fillRef idx="1">
+            <a:schemeClr val="accent1"/>
+          </a:fillRef>
+          <a:effectRef idx="0">
+            <a:schemeClr val="accent1"/>
+          </a:effectRef>
+          <a:fontRef idx="minor">
+            <a:schemeClr val="lt1"/>
+          </a:fontRef>
+        </p:style>
+        <p:txBody>
+          <a:bodyPr lIns="0" rIns="0" rtlCol="0" anchor="ctr"/>
+          <a:lstStyle>
+            <a:defPPr>
+              <a:defRPr lang="ko-KR"/>
+            </a:defPPr>
+            <a:lvl1pPr>
+              <a:defRPr sz="800">
+                <a:solidFill>
+                  <a:schemeClr val="tx1"/>
+                </a:solidFill>
+              </a:defRPr>
+            </a:lvl1pPr>
+          </a:lstStyle>
+          <a:p>
+            <a:r>
+              <a:rPr lang="en-US" altLang="ko-KR" dirty="0" err="1"/>
+              <a:t>NotifierService</a:t>
+            </a:r>
+            <a:endParaRPr lang="ko-KR" altLang="en-US" dirty="0"/>
+          </a:p>
+        </p:txBody>
+      </p:sp>
+      <p:grpSp>
+        <p:nvGrpSpPr>
+          <p:cNvPr id="63" name="그룹 62"/>
+          <p:cNvGrpSpPr/>
+          <p:nvPr/>
+        </p:nvGrpSpPr>
+        <p:grpSpPr>
+          <a:xfrm>
+            <a:off x="6362202" y="4285655"/>
+            <a:ext cx="4369794" cy="200025"/>
+            <a:chOff x="5266766" y="866775"/>
+            <a:chExt cx="4369794" cy="200025"/>
+          </a:xfrm>
+        </p:grpSpPr>
+        <p:sp>
+          <p:nvSpPr>
+            <p:cNvPr id="64" name="TextBox 63"/>
+            <p:cNvSpPr txBox="1"/>
+            <p:nvPr/>
+          </p:nvSpPr>
+          <p:spPr>
+            <a:xfrm>
+              <a:off x="7650068" y="866775"/>
+              <a:ext cx="1948827" cy="200025"/>
+            </a:xfrm>
+            <a:prstGeom prst="rect">
+              <a:avLst/>
+            </a:prstGeom>
+            <a:solidFill>
+              <a:schemeClr val="bg1"/>
+            </a:solidFill>
+            <a:ln w="3175">
+              <a:noFill/>
+            </a:ln>
+          </p:spPr>
+          <p:style>
+            <a:lnRef idx="2">
+              <a:schemeClr val="accent1">
+                <a:shade val="50000"/>
+              </a:schemeClr>
+            </a:lnRef>
+            <a:fillRef idx="1">
+              <a:schemeClr val="accent1"/>
+            </a:fillRef>
+            <a:effectRef idx="0">
+              <a:schemeClr val="accent1"/>
+            </a:effectRef>
+            <a:fontRef idx="minor">
+              <a:schemeClr val="lt1"/>
+            </a:fontRef>
+          </p:style>
+          <p:txBody>
+            <a:bodyPr lIns="0" rIns="0" rtlCol="0" anchor="ctr"/>
+            <a:lstStyle>
+              <a:defPPr>
+                <a:defRPr lang="ko-KR"/>
+              </a:defPPr>
+              <a:lvl1pPr>
+                <a:defRPr sz="800">
+                  <a:solidFill>
+                    <a:schemeClr val="tx1"/>
+                  </a:solidFill>
+                </a:defRPr>
+              </a:lvl1pPr>
+            </a:lstStyle>
+            <a:p>
+              <a:pPr algn="r"/>
+              <a:r>
+                <a:rPr lang="en-US" altLang="ko-KR" dirty="0"/>
+                <a:t>Notify(</a:t>
+              </a:r>
+              <a:r>
+                <a:rPr lang="en-US" altLang="ko-KR" dirty="0" err="1"/>
+                <a:t>mq_server_notify_trigger</a:t>
+              </a:r>
+              <a:r>
+                <a:rPr lang="en-US" altLang="ko-KR" dirty="0"/>
+                <a:t>) </a:t>
+              </a:r>
+              <a:endParaRPr lang="ko-KR" altLang="en-US" dirty="0"/>
             </a:p>
           </p:txBody>
         </p:sp>
@@ -6037,10 +5277,10 @@
         </p:nvGrpSpPr>
         <p:grpSpPr>
           <a:xfrm>
-            <a:off x="1848164" y="4411827"/>
-            <a:ext cx="4369794" cy="200025"/>
-            <a:chOff x="5266766" y="866775"/>
-            <a:chExt cx="4369794" cy="200025"/>
+            <a:off x="1848164" y="4594251"/>
+            <a:ext cx="4360642" cy="200025"/>
+            <a:chOff x="5266766" y="1049199"/>
+            <a:chExt cx="4360642" cy="200025"/>
           </a:xfrm>
         </p:grpSpPr>
         <p:sp>
@@ -6051,8 +5291,8 @@
           </p:nvSpPr>
           <p:spPr>
             <a:xfrm>
-              <a:off x="7640915" y="866775"/>
-              <a:ext cx="1715622" cy="200025"/>
+              <a:off x="8840749" y="1049199"/>
+              <a:ext cx="607862" cy="200025"/>
             </a:xfrm>
             <a:prstGeom prst="rect">
               <a:avLst/>
@@ -6081,126 +5321,26 @@
             </a:fontRef>
           </p:style>
           <p:txBody>
-            <a:bodyPr rtlCol="0" anchor="ctr"/>
+            <a:bodyPr lIns="0" rIns="0" rtlCol="0" anchor="ctr"/>
             <a:lstStyle>
               <a:defPPr>
                 <a:defRPr lang="ko-KR"/>
               </a:defPPr>
-              <a:lvl1pPr algn="ctr">
-                <a:defRPr sz="1000"/>
-              </a:lvl1pPr>
-              <a:lvl2pPr>
-                <a:defRPr>
+              <a:lvl1pPr>
+                <a:defRPr sz="800">
                   <a:solidFill>
-                    <a:schemeClr val="lt1"/>
+                    <a:schemeClr val="tx1"/>
                   </a:solidFill>
                 </a:defRPr>
-              </a:lvl2pPr>
-              <a:lvl3pPr>
-                <a:defRPr>
-                  <a:solidFill>
-                    <a:schemeClr val="lt1"/>
-                  </a:solidFill>
-                </a:defRPr>
-              </a:lvl3pPr>
-              <a:lvl4pPr>
-                <a:defRPr>
-                  <a:solidFill>
-                    <a:schemeClr val="lt1"/>
-                  </a:solidFill>
-                </a:defRPr>
-              </a:lvl4pPr>
-              <a:lvl5pPr>
-                <a:defRPr>
-                  <a:solidFill>
-                    <a:schemeClr val="lt1"/>
-                  </a:solidFill>
-                </a:defRPr>
-              </a:lvl5pPr>
-              <a:lvl6pPr>
-                <a:defRPr>
-                  <a:solidFill>
-                    <a:schemeClr val="lt1"/>
-                  </a:solidFill>
-                </a:defRPr>
-              </a:lvl6pPr>
-              <a:lvl7pPr>
-                <a:defRPr>
-                  <a:solidFill>
-                    <a:schemeClr val="lt1"/>
-                  </a:solidFill>
-                </a:defRPr>
-              </a:lvl7pPr>
-              <a:lvl8pPr>
-                <a:defRPr>
-                  <a:solidFill>
-                    <a:schemeClr val="lt1"/>
-                  </a:solidFill>
-                </a:defRPr>
-              </a:lvl8pPr>
-              <a:lvl9pPr>
-                <a:defRPr>
-                  <a:solidFill>
-                    <a:schemeClr val="lt1"/>
-                  </a:solidFill>
-                </a:defRPr>
-              </a:lvl9pPr>
+              </a:lvl1pPr>
             </a:lstStyle>
             <a:p>
               <a:pPr algn="r"/>
               <a:r>
-                <a:rPr lang="en-US" altLang="ko-KR" sz="800" dirty="0" err="1" smtClean="0">
-                  <a:solidFill>
-                    <a:schemeClr val="tx1"/>
-                  </a:solidFill>
-                </a:rPr>
+                <a:rPr lang="en-US" altLang="ko-KR" dirty="0" err="1" smtClean="0"/>
                 <a:t>sendClient</a:t>
               </a:r>
-              <a:r>
-                <a:rPr lang="en-US" altLang="ko-KR" sz="800" dirty="0" smtClean="0">
-                  <a:solidFill>
-                    <a:schemeClr val="tx1"/>
-                  </a:solidFill>
-                </a:rPr>
-                <a:t>/</a:t>
-              </a:r>
-              <a:r>
-                <a:rPr lang="en-US" altLang="ko-KR" sz="800" dirty="0" err="1" smtClean="0">
-                  <a:solidFill>
-                    <a:schemeClr val="tx1"/>
-                  </a:solidFill>
-                </a:rPr>
-                <a:t>sendMsg</a:t>
-              </a:r>
-              <a:r>
-                <a:rPr lang="en-US" altLang="ko-KR" sz="800" dirty="0" smtClean="0">
-                  <a:solidFill>
-                    <a:schemeClr val="tx1"/>
-                  </a:solidFill>
-                </a:rPr>
-                <a:t>(</a:t>
-              </a:r>
-              <a:r>
-                <a:rPr lang="en-US" altLang="ko-KR" sz="800" dirty="0" err="1" smtClean="0">
-                  <a:solidFill>
-                    <a:schemeClr val="tx1"/>
-                  </a:solidFill>
-                </a:rPr>
-                <a:t>ws</a:t>
-              </a:r>
-              <a:r>
-                <a:rPr lang="en-US" altLang="ko-KR" sz="800" dirty="0" smtClean="0">
-                  <a:solidFill>
-                    <a:schemeClr val="tx1"/>
-                  </a:solidFill>
-                </a:rPr>
-                <a:t>)</a:t>
-              </a:r>
-              <a:endParaRPr lang="ko-KR" altLang="en-US" sz="800" dirty="0">
-                <a:solidFill>
-                  <a:schemeClr val="tx1"/>
-                </a:solidFill>
-              </a:endParaRPr>
+              <a:endParaRPr lang="ko-KR" altLang="en-US" dirty="0"/>
             </a:p>
           </p:txBody>
         </p:sp>
@@ -6213,7 +5353,7 @@
           <p:spPr>
             <a:xfrm>
               <a:off x="5266766" y="1066800"/>
-              <a:ext cx="4369794" cy="0"/>
+              <a:ext cx="4360642" cy="0"/>
             </a:xfrm>
             <a:prstGeom prst="straightConnector1">
               <a:avLst/>
@@ -6250,8 +5390,8 @@
         </p:nvSpPr>
         <p:spPr>
           <a:xfrm>
-            <a:off x="1905000" y="4711865"/>
-            <a:ext cx="1872128" cy="200025"/>
+            <a:off x="1901016" y="4711865"/>
+            <a:ext cx="1275477" cy="200025"/>
           </a:xfrm>
           <a:prstGeom prst="rect">
             <a:avLst/>
@@ -6280,94 +5420,25 @@
           </a:fontRef>
         </p:style>
         <p:txBody>
-          <a:bodyPr rtlCol="0" anchor="ctr"/>
+          <a:bodyPr lIns="0" rIns="0" rtlCol="0" anchor="ctr"/>
           <a:lstStyle>
             <a:defPPr>
               <a:defRPr lang="ko-KR"/>
             </a:defPPr>
-            <a:lvl1pPr algn="ctr">
-              <a:defRPr sz="1000"/>
-            </a:lvl1pPr>
-            <a:lvl2pPr>
-              <a:defRPr>
-                <a:solidFill>
-                  <a:schemeClr val="lt1"/>
-                </a:solidFill>
-              </a:defRPr>
-            </a:lvl2pPr>
-            <a:lvl3pPr>
-              <a:defRPr>
-                <a:solidFill>
-                  <a:schemeClr val="lt1"/>
-                </a:solidFill>
-              </a:defRPr>
-            </a:lvl3pPr>
-            <a:lvl4pPr>
-              <a:defRPr>
-                <a:solidFill>
-                  <a:schemeClr val="lt1"/>
-                </a:solidFill>
-              </a:defRPr>
-            </a:lvl4pPr>
-            <a:lvl5pPr>
-              <a:defRPr>
-                <a:solidFill>
-                  <a:schemeClr val="lt1"/>
-                </a:solidFill>
-              </a:defRPr>
-            </a:lvl5pPr>
-            <a:lvl6pPr>
-              <a:defRPr>
-                <a:solidFill>
-                  <a:schemeClr val="lt1"/>
-                </a:solidFill>
-              </a:defRPr>
-            </a:lvl6pPr>
-            <a:lvl7pPr>
-              <a:defRPr>
-                <a:solidFill>
-                  <a:schemeClr val="lt1"/>
-                </a:solidFill>
-              </a:defRPr>
-            </a:lvl7pPr>
-            <a:lvl8pPr>
-              <a:defRPr>
-                <a:solidFill>
-                  <a:schemeClr val="lt1"/>
-                </a:solidFill>
-              </a:defRPr>
-            </a:lvl8pPr>
-            <a:lvl9pPr>
-              <a:defRPr>
-                <a:solidFill>
-                  <a:schemeClr val="lt1"/>
-                </a:solidFill>
-              </a:defRPr>
-            </a:lvl9pPr>
-          </a:lstStyle>
-          <a:p>
-            <a:pPr algn="l"/>
-            <a:r>
-              <a:rPr lang="en-US" altLang="ko-KR" sz="800" dirty="0" err="1" smtClean="0">
+            <a:lvl1pPr>
+              <a:defRPr sz="800">
                 <a:solidFill>
                   <a:schemeClr val="tx1"/>
                 </a:solidFill>
-              </a:rPr>
-              <a:t>sendClient</a:t>
-            </a:r>
-            <a:r>
-              <a:rPr lang="en-US" altLang="ko-KR" sz="800" dirty="0" smtClean="0">
-                <a:solidFill>
-                  <a:schemeClr val="tx1"/>
-                </a:solidFill>
-              </a:rPr>
-              <a:t> response</a:t>
-            </a:r>
-            <a:endParaRPr lang="ko-KR" altLang="en-US" sz="800" dirty="0">
-              <a:solidFill>
-                <a:schemeClr val="tx1"/>
-              </a:solidFill>
-            </a:endParaRPr>
+              </a:defRPr>
+            </a:lvl1pPr>
+          </a:lstStyle>
+          <a:p>
+            <a:r>
+              <a:rPr lang="en-US" altLang="ko-KR" dirty="0" err="1"/>
+              <a:t>ClientTestHandler.send</a:t>
+            </a:r>
+            <a:endParaRPr lang="ko-KR" altLang="en-US" dirty="0"/>
           </a:p>
         </p:txBody>
       </p:sp>
@@ -6380,7 +5451,7 @@
         <p:spPr>
           <a:xfrm>
             <a:off x="3947210" y="2686050"/>
-            <a:ext cx="153396" cy="1522452"/>
+            <a:ext cx="153396" cy="835349"/>
           </a:xfrm>
           <a:prstGeom prst="rect">
             <a:avLst/>
@@ -6501,16 +5572,53 @@
           </a:fontRef>
         </p:style>
       </p:cxnSp>
-      <p:sp>
-        <p:nvSpPr>
-          <p:cNvPr id="99" name="직사각형 98"/>
-          <p:cNvSpPr/>
+      <p:cxnSp>
+        <p:nvCxnSpPr>
+          <p:cNvPr id="8" name="직선 화살표 연결선 7"/>
+          <p:cNvCxnSpPr/>
           <p:nvPr/>
-        </p:nvSpPr>
+        </p:nvCxnSpPr>
         <p:spPr>
           <a:xfrm>
-            <a:off x="7830603" y="70901"/>
-            <a:ext cx="1718740" cy="215444"/>
+            <a:off x="6049430" y="3421384"/>
+            <a:ext cx="0" cy="1191933"/>
+          </a:xfrm>
+          <a:prstGeom prst="straightConnector1">
+            <a:avLst/>
+          </a:prstGeom>
+          <a:ln w="3175">
+            <a:solidFill>
+              <a:schemeClr val="tx1"/>
+            </a:solidFill>
+            <a:headEnd type="triangle" w="sm" len="med"/>
+            <a:tailEnd type="none" w="sm" len="med"/>
+          </a:ln>
+        </p:spPr>
+        <p:style>
+          <a:lnRef idx="1">
+            <a:schemeClr val="accent1"/>
+          </a:lnRef>
+          <a:fillRef idx="0">
+            <a:schemeClr val="accent1"/>
+          </a:fillRef>
+          <a:effectRef idx="0">
+            <a:schemeClr val="accent1"/>
+          </a:effectRef>
+          <a:fontRef idx="minor">
+            <a:schemeClr val="tx1"/>
+          </a:fontRef>
+        </p:style>
+      </p:cxnSp>
+      <p:sp>
+        <p:nvSpPr>
+          <p:cNvPr id="68" name="TextBox 67"/>
+          <p:cNvSpPr txBox="1"/>
+          <p:nvPr/>
+        </p:nvSpPr>
+        <p:spPr>
+          <a:xfrm>
+            <a:off x="5443302" y="4238472"/>
+            <a:ext cx="599298" cy="200025"/>
           </a:xfrm>
           <a:prstGeom prst="rect">
             <a:avLst/>
@@ -6539,95 +5647,147 @@
           </a:fontRef>
         </p:style>
         <p:txBody>
-          <a:bodyPr rtlCol="0" anchor="ctr"/>
-          <a:lstStyle/>
-          <a:p>
-            <a:r>
-              <a:rPr lang="en-US" altLang="ko-KR" sz="800" dirty="0">
+          <a:bodyPr lIns="0" rIns="0" rtlCol="0" anchor="ctr"/>
+          <a:lstStyle>
+            <a:defPPr>
+              <a:defRPr lang="ko-KR"/>
+            </a:defPPr>
+            <a:lvl1pPr>
+              <a:defRPr sz="800">
                 <a:solidFill>
                   <a:schemeClr val="tx1"/>
                 </a:solidFill>
-              </a:rPr>
-              <a:t>http://localhost:8082/monitor/list</a:t>
-            </a:r>
-            <a:endParaRPr lang="ko-KR" altLang="en-US" sz="800" dirty="0">
-              <a:solidFill>
-                <a:schemeClr val="tx1"/>
-              </a:solidFill>
-            </a:endParaRPr>
-          </a:p>
-        </p:txBody>
-      </p:sp>
-      <p:cxnSp>
-        <p:nvCxnSpPr>
-          <p:cNvPr id="8" name="직선 화살표 연결선 7"/>
-          <p:cNvCxnSpPr/>
+              </a:defRPr>
+            </a:lvl1pPr>
+          </a:lstStyle>
+          <a:p>
+            <a:r>
+              <a:rPr lang="en-US" altLang="ko-KR" dirty="0" err="1" smtClean="0"/>
+              <a:t>sendMsg</a:t>
+            </a:r>
+            <a:r>
+              <a:rPr lang="en-US" altLang="ko-KR" dirty="0" smtClean="0"/>
+              <a:t>(</a:t>
+            </a:r>
+            <a:r>
+              <a:rPr lang="en-US" altLang="ko-KR" dirty="0" err="1" smtClean="0"/>
+              <a:t>ws</a:t>
+            </a:r>
+            <a:r>
+              <a:rPr lang="en-US" altLang="ko-KR" dirty="0" smtClean="0"/>
+              <a:t>)</a:t>
+            </a:r>
+            <a:endParaRPr lang="ko-KR" altLang="en-US" dirty="0"/>
+          </a:p>
+        </p:txBody>
+      </p:sp>
+      <p:sp>
+        <p:nvSpPr>
+          <p:cNvPr id="72" name="직사각형 71"/>
+          <p:cNvSpPr/>
           <p:nvPr/>
-        </p:nvCxnSpPr>
+        </p:nvSpPr>
         <p:spPr>
           <a:xfrm>
-            <a:off x="5956985" y="3421384"/>
-            <a:ext cx="0" cy="1191933"/>
-          </a:xfrm>
-          <a:prstGeom prst="straightConnector1">
+            <a:off x="3947210" y="3600964"/>
+            <a:ext cx="153396" cy="594163"/>
+          </a:xfrm>
+          <a:prstGeom prst="rect">
             <a:avLst/>
           </a:prstGeom>
+          <a:solidFill>
+            <a:schemeClr val="bg1"/>
+          </a:solidFill>
           <a:ln w="3175">
             <a:solidFill>
               <a:schemeClr val="tx1"/>
             </a:solidFill>
-            <a:headEnd type="triangle" w="sm" len="med"/>
-            <a:tailEnd type="none" w="sm" len="med"/>
           </a:ln>
         </p:spPr>
         <p:style>
-          <a:lnRef idx="1">
-            <a:schemeClr val="accent1"/>
+          <a:lnRef idx="2">
+            <a:schemeClr val="accent1">
+              <a:shade val="50000"/>
+            </a:schemeClr>
           </a:lnRef>
-          <a:fillRef idx="0">
+          <a:fillRef idx="1">
             <a:schemeClr val="accent1"/>
           </a:fillRef>
           <a:effectRef idx="0">
             <a:schemeClr val="accent1"/>
           </a:effectRef>
           <a:fontRef idx="minor">
-            <a:schemeClr val="tx1"/>
+            <a:schemeClr val="lt1"/>
           </a:fontRef>
         </p:style>
-      </p:cxnSp>
-    </p:spTree>
-    <p:extLst>
-      <p:ext uri="{BB962C8B-B14F-4D97-AF65-F5344CB8AC3E}">
-        <p14:creationId xmlns:p14="http://schemas.microsoft.com/office/powerpoint/2010/main" val="1850387240"/>
-      </p:ext>
-    </p:extLst>
-  </p:cSld>
-  <p:clrMapOvr>
-    <a:masterClrMapping/>
-  </p:clrMapOvr>
-</p:sld>
-</file>
-
-<file path=ppt/slides/slide2.xml><?xml version="1.0" encoding="utf-8"?>
-<p:sld xmlns:a="http://schemas.openxmlformats.org/drawingml/2006/main" xmlns:r="http://schemas.openxmlformats.org/officeDocument/2006/relationships" xmlns:p="http://schemas.openxmlformats.org/presentationml/2006/main">
-  <p:cSld>
-    <p:spTree>
-      <p:nvGrpSpPr>
-        <p:cNvPr id="1" name=""/>
-        <p:cNvGrpSpPr/>
-        <p:nvPr/>
-      </p:nvGrpSpPr>
-      <p:grpSpPr>
-        <a:xfrm>
-          <a:off x="0" y="0"/>
-          <a:ext cx="0" cy="0"/>
-          <a:chOff x="0" y="0"/>
-          <a:chExt cx="0" cy="0"/>
-        </a:xfrm>
-      </p:grpSpPr>
+        <p:txBody>
+          <a:bodyPr rtlCol="0" anchor="ctr"/>
+          <a:lstStyle/>
+          <a:p>
+            <a:pPr algn="ctr"/>
+            <a:endParaRPr lang="ko-KR" altLang="en-US" sz="1000" dirty="0">
+              <a:solidFill>
+                <a:schemeClr val="tx1"/>
+              </a:solidFill>
+            </a:endParaRPr>
+          </a:p>
+        </p:txBody>
+      </p:sp>
+      <p:sp>
+        <p:nvSpPr>
+          <p:cNvPr id="75" name="직사각형 74"/>
+          <p:cNvSpPr/>
+          <p:nvPr/>
+        </p:nvSpPr>
+        <p:spPr>
+          <a:xfrm>
+            <a:off x="8470401" y="4996401"/>
+            <a:ext cx="153396" cy="966725"/>
+          </a:xfrm>
+          <a:prstGeom prst="rect">
+            <a:avLst/>
+          </a:prstGeom>
+          <a:solidFill>
+            <a:schemeClr val="bg1"/>
+          </a:solidFill>
+          <a:ln w="3175">
+            <a:solidFill>
+              <a:schemeClr val="tx1"/>
+            </a:solidFill>
+          </a:ln>
+        </p:spPr>
+        <p:style>
+          <a:lnRef idx="2">
+            <a:schemeClr val="accent1">
+              <a:shade val="50000"/>
+            </a:schemeClr>
+          </a:lnRef>
+          <a:fillRef idx="1">
+            <a:schemeClr val="accent1"/>
+          </a:fillRef>
+          <a:effectRef idx="0">
+            <a:schemeClr val="accent1"/>
+          </a:effectRef>
+          <a:fontRef idx="minor">
+            <a:schemeClr val="lt1"/>
+          </a:fontRef>
+        </p:style>
+        <p:txBody>
+          <a:bodyPr rtlCol="0" anchor="ctr"/>
+          <a:lstStyle/>
+          <a:p>
+            <a:pPr algn="ctr"/>
+            <a:endParaRPr lang="ko-KR" altLang="en-US" sz="1000" dirty="0">
+              <a:solidFill>
+                <a:schemeClr val="tx1"/>
+              </a:solidFill>
+            </a:endParaRPr>
+          </a:p>
+        </p:txBody>
+      </p:sp>
       <p:pic>
         <p:nvPicPr>
-          <p:cNvPr id="5" name="그림 4"/>
+          <p:cNvPr id="76" name="그림 75"/>
           <p:cNvPicPr>
             <a:picLocks noChangeAspect="1"/>
           </p:cNvPicPr>
@@ -6641,18 +5801,609 @@
         </p:blipFill>
         <p:spPr>
           <a:xfrm>
-            <a:off x="381000" y="609600"/>
-            <a:ext cx="10345809" cy="5267401"/>
+            <a:off x="9781237" y="5012241"/>
+            <a:ext cx="171450" cy="428625"/>
           </a:xfrm>
           <a:prstGeom prst="rect">
             <a:avLst/>
           </a:prstGeom>
         </p:spPr>
       </p:pic>
+      <p:grpSp>
+        <p:nvGrpSpPr>
+          <p:cNvPr id="77" name="그룹 76"/>
+          <p:cNvGrpSpPr/>
+          <p:nvPr/>
+        </p:nvGrpSpPr>
+        <p:grpSpPr>
+          <a:xfrm>
+            <a:off x="4100604" y="4998371"/>
+            <a:ext cx="4369797" cy="200025"/>
+            <a:chOff x="1854935" y="885037"/>
+            <a:chExt cx="6615466" cy="200025"/>
+          </a:xfrm>
+        </p:grpSpPr>
+        <p:sp>
+          <p:nvSpPr>
+            <p:cNvPr id="78" name="TextBox 77"/>
+            <p:cNvSpPr txBox="1"/>
+            <p:nvPr/>
+          </p:nvSpPr>
+          <p:spPr>
+            <a:xfrm>
+              <a:off x="5713333" y="885037"/>
+              <a:ext cx="2688429" cy="200025"/>
+            </a:xfrm>
+            <a:prstGeom prst="rect">
+              <a:avLst/>
+            </a:prstGeom>
+            <a:solidFill>
+              <a:schemeClr val="bg1"/>
+            </a:solidFill>
+            <a:ln w="3175">
+              <a:noFill/>
+            </a:ln>
+          </p:spPr>
+          <p:style>
+            <a:lnRef idx="2">
+              <a:schemeClr val="accent1">
+                <a:shade val="50000"/>
+              </a:schemeClr>
+            </a:lnRef>
+            <a:fillRef idx="1">
+              <a:schemeClr val="accent1"/>
+            </a:fillRef>
+            <a:effectRef idx="0">
+              <a:schemeClr val="accent1"/>
+            </a:effectRef>
+            <a:fontRef idx="minor">
+              <a:schemeClr val="lt1"/>
+            </a:fontRef>
+          </p:style>
+          <p:txBody>
+            <a:bodyPr lIns="0" rIns="0" rtlCol="0" anchor="ctr"/>
+            <a:lstStyle>
+              <a:defPPr>
+                <a:defRPr lang="ko-KR"/>
+              </a:defPPr>
+              <a:lvl1pPr>
+                <a:defRPr sz="800">
+                  <a:solidFill>
+                    <a:schemeClr val="tx1"/>
+                  </a:solidFill>
+                </a:defRPr>
+              </a:lvl1pPr>
+            </a:lstStyle>
+            <a:p>
+              <a:pPr algn="r"/>
+              <a:r>
+                <a:rPr lang="en-US" altLang="ko-KR" dirty="0" smtClean="0"/>
+                <a:t>/</a:t>
+              </a:r>
+              <a:r>
+                <a:rPr lang="en-US" altLang="ko-KR" dirty="0" err="1" smtClean="0"/>
+                <a:t>api</a:t>
+              </a:r>
+              <a:r>
+                <a:rPr lang="en-US" altLang="ko-KR" dirty="0" smtClean="0"/>
+                <a:t>/</a:t>
+              </a:r>
+              <a:r>
+                <a:rPr lang="en-US" altLang="ko-KR" dirty="0" err="1" smtClean="0"/>
+                <a:t>getChannel</a:t>
+              </a:r>
+              <a:endParaRPr lang="ko-KR" altLang="en-US" dirty="0"/>
+            </a:p>
+          </p:txBody>
+        </p:sp>
+        <p:cxnSp>
+          <p:nvCxnSpPr>
+            <p:cNvPr id="79" name="직선 화살표 연결선 78"/>
+            <p:cNvCxnSpPr/>
+            <p:nvPr/>
+          </p:nvCxnSpPr>
+          <p:spPr>
+            <a:xfrm>
+              <a:off x="1854935" y="1066800"/>
+              <a:ext cx="6615466" cy="0"/>
+            </a:xfrm>
+            <a:prstGeom prst="straightConnector1">
+              <a:avLst/>
+            </a:prstGeom>
+            <a:ln w="3175">
+              <a:solidFill>
+                <a:schemeClr val="tx1"/>
+              </a:solidFill>
+              <a:headEnd type="triangle" w="sm" len="med"/>
+              <a:tailEnd type="none" w="sm" len="med"/>
+            </a:ln>
+          </p:spPr>
+          <p:style>
+            <a:lnRef idx="1">
+              <a:schemeClr val="accent1"/>
+            </a:lnRef>
+            <a:fillRef idx="0">
+              <a:schemeClr val="accent1"/>
+            </a:fillRef>
+            <a:effectRef idx="0">
+              <a:schemeClr val="accent1"/>
+            </a:effectRef>
+            <a:fontRef idx="minor">
+              <a:schemeClr val="tx1"/>
+            </a:fontRef>
+          </p:style>
+        </p:cxnSp>
+      </p:grpSp>
+      <p:sp>
+        <p:nvSpPr>
+          <p:cNvPr id="80" name="직사각형 79"/>
+          <p:cNvSpPr/>
+          <p:nvPr/>
+        </p:nvSpPr>
+        <p:spPr>
+          <a:xfrm>
+            <a:off x="6208806" y="5340795"/>
+            <a:ext cx="153396" cy="269430"/>
+          </a:xfrm>
+          <a:prstGeom prst="rect">
+            <a:avLst/>
+          </a:prstGeom>
+          <a:solidFill>
+            <a:schemeClr val="bg1"/>
+          </a:solidFill>
+          <a:ln w="3175">
+            <a:solidFill>
+              <a:schemeClr val="tx1"/>
+            </a:solidFill>
+          </a:ln>
+        </p:spPr>
+        <p:style>
+          <a:lnRef idx="2">
+            <a:schemeClr val="accent1">
+              <a:shade val="50000"/>
+            </a:schemeClr>
+          </a:lnRef>
+          <a:fillRef idx="1">
+            <a:schemeClr val="accent1"/>
+          </a:fillRef>
+          <a:effectRef idx="0">
+            <a:schemeClr val="accent1"/>
+          </a:effectRef>
+          <a:fontRef idx="minor">
+            <a:schemeClr val="lt1"/>
+          </a:fontRef>
+        </p:style>
+        <p:txBody>
+          <a:bodyPr rtlCol="0" anchor="ctr"/>
+          <a:lstStyle/>
+          <a:p>
+            <a:pPr algn="ctr"/>
+            <a:endParaRPr lang="ko-KR" altLang="en-US" sz="1000" dirty="0">
+              <a:solidFill>
+                <a:schemeClr val="tx1"/>
+              </a:solidFill>
+            </a:endParaRPr>
+          </a:p>
+        </p:txBody>
+      </p:sp>
+      <p:sp>
+        <p:nvSpPr>
+          <p:cNvPr id="81" name="직사각형 80"/>
+          <p:cNvSpPr/>
+          <p:nvPr/>
+        </p:nvSpPr>
+        <p:spPr>
+          <a:xfrm>
+            <a:off x="3947210" y="5096287"/>
+            <a:ext cx="153396" cy="866840"/>
+          </a:xfrm>
+          <a:prstGeom prst="rect">
+            <a:avLst/>
+          </a:prstGeom>
+          <a:solidFill>
+            <a:schemeClr val="bg1"/>
+          </a:solidFill>
+          <a:ln w="3175">
+            <a:solidFill>
+              <a:schemeClr val="tx1"/>
+            </a:solidFill>
+          </a:ln>
+        </p:spPr>
+        <p:style>
+          <a:lnRef idx="2">
+            <a:schemeClr val="accent1">
+              <a:shade val="50000"/>
+            </a:schemeClr>
+          </a:lnRef>
+          <a:fillRef idx="1">
+            <a:schemeClr val="accent1"/>
+          </a:fillRef>
+          <a:effectRef idx="0">
+            <a:schemeClr val="accent1"/>
+          </a:effectRef>
+          <a:fontRef idx="minor">
+            <a:schemeClr val="lt1"/>
+          </a:fontRef>
+        </p:style>
+        <p:txBody>
+          <a:bodyPr rtlCol="0" anchor="ctr"/>
+          <a:lstStyle/>
+          <a:p>
+            <a:pPr algn="ctr"/>
+            <a:endParaRPr lang="ko-KR" altLang="en-US" sz="1000" dirty="0">
+              <a:solidFill>
+                <a:schemeClr val="tx1"/>
+              </a:solidFill>
+            </a:endParaRPr>
+          </a:p>
+        </p:txBody>
+      </p:sp>
+      <p:grpSp>
+        <p:nvGrpSpPr>
+          <p:cNvPr id="90" name="그룹 89"/>
+          <p:cNvGrpSpPr/>
+          <p:nvPr/>
+        </p:nvGrpSpPr>
+        <p:grpSpPr>
+          <a:xfrm>
+            <a:off x="4111624" y="5277258"/>
+            <a:ext cx="2097182" cy="200025"/>
+            <a:chOff x="4111624" y="911222"/>
+            <a:chExt cx="2097182" cy="200025"/>
+          </a:xfrm>
+        </p:grpSpPr>
+        <p:sp>
+          <p:nvSpPr>
+            <p:cNvPr id="91" name="TextBox 90"/>
+            <p:cNvSpPr txBox="1"/>
+            <p:nvPr/>
+          </p:nvSpPr>
+          <p:spPr>
+            <a:xfrm>
+              <a:off x="4172574" y="911222"/>
+              <a:ext cx="1948827" cy="200025"/>
+            </a:xfrm>
+            <a:prstGeom prst="rect">
+              <a:avLst/>
+            </a:prstGeom>
+            <a:solidFill>
+              <a:schemeClr val="bg1"/>
+            </a:solidFill>
+            <a:ln w="3175">
+              <a:noFill/>
+            </a:ln>
+          </p:spPr>
+          <p:style>
+            <a:lnRef idx="2">
+              <a:schemeClr val="accent1">
+                <a:shade val="50000"/>
+              </a:schemeClr>
+            </a:lnRef>
+            <a:fillRef idx="1">
+              <a:schemeClr val="accent1"/>
+            </a:fillRef>
+            <a:effectRef idx="0">
+              <a:schemeClr val="accent1"/>
+            </a:effectRef>
+            <a:fontRef idx="minor">
+              <a:schemeClr val="lt1"/>
+            </a:fontRef>
+          </p:style>
+          <p:txBody>
+            <a:bodyPr lIns="0" rIns="0" rtlCol="0" anchor="ctr"/>
+            <a:lstStyle>
+              <a:defPPr>
+                <a:defRPr lang="ko-KR"/>
+              </a:defPPr>
+              <a:lvl1pPr>
+                <a:defRPr sz="800">
+                  <a:solidFill>
+                    <a:schemeClr val="tx1"/>
+                  </a:solidFill>
+                </a:defRPr>
+              </a:lvl1pPr>
+            </a:lstStyle>
+            <a:p>
+              <a:r>
+                <a:rPr lang="en-US" altLang="ko-KR" dirty="0" err="1"/>
+                <a:t>ChannelRepository</a:t>
+              </a:r>
+              <a:endParaRPr lang="ko-KR" altLang="en-US" dirty="0"/>
+            </a:p>
+          </p:txBody>
+        </p:sp>
+        <p:cxnSp>
+          <p:nvCxnSpPr>
+            <p:cNvPr id="92" name="직선 화살표 연결선 91"/>
+            <p:cNvCxnSpPr/>
+            <p:nvPr/>
+          </p:nvCxnSpPr>
+          <p:spPr>
+            <a:xfrm>
+              <a:off x="4111624" y="1066800"/>
+              <a:ext cx="2097182" cy="0"/>
+            </a:xfrm>
+            <a:prstGeom prst="straightConnector1">
+              <a:avLst/>
+            </a:prstGeom>
+            <a:ln w="3175">
+              <a:solidFill>
+                <a:schemeClr val="tx1"/>
+              </a:solidFill>
+              <a:headEnd type="triangle" w="sm" len="med"/>
+              <a:tailEnd type="triangle" w="sm" len="med"/>
+            </a:ln>
+          </p:spPr>
+          <p:style>
+            <a:lnRef idx="1">
+              <a:schemeClr val="accent1"/>
+            </a:lnRef>
+            <a:fillRef idx="0">
+              <a:schemeClr val="accent1"/>
+            </a:fillRef>
+            <a:effectRef idx="0">
+              <a:schemeClr val="accent1"/>
+            </a:effectRef>
+            <a:fontRef idx="minor">
+              <a:schemeClr val="tx1"/>
+            </a:fontRef>
+          </p:style>
+        </p:cxnSp>
+      </p:grpSp>
+      <p:sp>
+        <p:nvSpPr>
+          <p:cNvPr id="94" name="TextBox 93"/>
+          <p:cNvSpPr txBox="1"/>
+          <p:nvPr/>
+        </p:nvSpPr>
+        <p:spPr>
+          <a:xfrm>
+            <a:off x="4172574" y="5451568"/>
+            <a:ext cx="1948827" cy="200025"/>
+          </a:xfrm>
+          <a:prstGeom prst="rect">
+            <a:avLst/>
+          </a:prstGeom>
+          <a:solidFill>
+            <a:schemeClr val="bg1"/>
+          </a:solidFill>
+          <a:ln w="3175">
+            <a:noFill/>
+          </a:ln>
+        </p:spPr>
+        <p:style>
+          <a:lnRef idx="2">
+            <a:schemeClr val="accent1">
+              <a:shade val="50000"/>
+            </a:schemeClr>
+          </a:lnRef>
+          <a:fillRef idx="1">
+            <a:schemeClr val="accent1"/>
+          </a:fillRef>
+          <a:effectRef idx="0">
+            <a:schemeClr val="accent1"/>
+          </a:effectRef>
+          <a:fontRef idx="minor">
+            <a:schemeClr val="lt1"/>
+          </a:fontRef>
+        </p:style>
+        <p:txBody>
+          <a:bodyPr lIns="0" rIns="0" rtlCol="0" anchor="ctr"/>
+          <a:lstStyle>
+            <a:defPPr>
+              <a:defRPr lang="ko-KR"/>
+            </a:defPPr>
+            <a:lvl1pPr>
+              <a:defRPr sz="800">
+                <a:solidFill>
+                  <a:schemeClr val="tx1"/>
+                </a:solidFill>
+              </a:defRPr>
+            </a:lvl1pPr>
+          </a:lstStyle>
+          <a:p>
+            <a:pPr algn="r"/>
+            <a:r>
+              <a:rPr lang="en-US" altLang="ko-KR" dirty="0" err="1"/>
+              <a:t>channelTerminalIdMap</a:t>
+            </a:r>
+            <a:endParaRPr lang="ko-KR" altLang="en-US" dirty="0"/>
+          </a:p>
+        </p:txBody>
+      </p:sp>
+      <p:grpSp>
+        <p:nvGrpSpPr>
+          <p:cNvPr id="96" name="그룹 95"/>
+          <p:cNvGrpSpPr/>
+          <p:nvPr/>
+        </p:nvGrpSpPr>
+        <p:grpSpPr>
+          <a:xfrm>
+            <a:off x="4111624" y="5702306"/>
+            <a:ext cx="4358777" cy="200025"/>
+            <a:chOff x="4111624" y="911222"/>
+            <a:chExt cx="4358777" cy="200025"/>
+          </a:xfrm>
+        </p:grpSpPr>
+        <p:sp>
+          <p:nvSpPr>
+            <p:cNvPr id="97" name="TextBox 96"/>
+            <p:cNvSpPr txBox="1"/>
+            <p:nvPr/>
+          </p:nvSpPr>
+          <p:spPr>
+            <a:xfrm>
+              <a:off x="4172574" y="911222"/>
+              <a:ext cx="1948827" cy="200025"/>
+            </a:xfrm>
+            <a:prstGeom prst="rect">
+              <a:avLst/>
+            </a:prstGeom>
+            <a:solidFill>
+              <a:schemeClr val="bg1"/>
+            </a:solidFill>
+            <a:ln w="3175">
+              <a:noFill/>
+            </a:ln>
+          </p:spPr>
+          <p:style>
+            <a:lnRef idx="2">
+              <a:schemeClr val="accent1">
+                <a:shade val="50000"/>
+              </a:schemeClr>
+            </a:lnRef>
+            <a:fillRef idx="1">
+              <a:schemeClr val="accent1"/>
+            </a:fillRef>
+            <a:effectRef idx="0">
+              <a:schemeClr val="accent1"/>
+            </a:effectRef>
+            <a:fontRef idx="minor">
+              <a:schemeClr val="lt1"/>
+            </a:fontRef>
+          </p:style>
+          <p:txBody>
+            <a:bodyPr lIns="0" rIns="0" rtlCol="0" anchor="ctr"/>
+            <a:lstStyle>
+              <a:defPPr>
+                <a:defRPr lang="ko-KR"/>
+              </a:defPPr>
+              <a:lvl1pPr>
+                <a:defRPr sz="800">
+                  <a:solidFill>
+                    <a:schemeClr val="tx1"/>
+                  </a:solidFill>
+                </a:defRPr>
+              </a:lvl1pPr>
+            </a:lstStyle>
+            <a:p>
+              <a:r>
+                <a:rPr lang="en-US" altLang="ko-KR" dirty="0" smtClean="0"/>
+                <a:t>Channel </a:t>
+              </a:r>
+              <a:r>
+                <a:rPr lang="en-US" altLang="ko-KR" dirty="0" err="1" smtClean="0"/>
+                <a:t>json</a:t>
+              </a:r>
+              <a:r>
+                <a:rPr lang="en-US" altLang="ko-KR" dirty="0" smtClean="0"/>
+                <a:t> data}</a:t>
+              </a:r>
+              <a:endParaRPr lang="ko-KR" altLang="en-US" dirty="0"/>
+            </a:p>
+          </p:txBody>
+        </p:sp>
+        <p:cxnSp>
+          <p:nvCxnSpPr>
+            <p:cNvPr id="98" name="직선 화살표 연결선 97"/>
+            <p:cNvCxnSpPr/>
+            <p:nvPr/>
+          </p:nvCxnSpPr>
+          <p:spPr>
+            <a:xfrm>
+              <a:off x="4111624" y="1066800"/>
+              <a:ext cx="4358777" cy="0"/>
+            </a:xfrm>
+            <a:prstGeom prst="straightConnector1">
+              <a:avLst/>
+            </a:prstGeom>
+            <a:ln w="3175">
+              <a:solidFill>
+                <a:schemeClr val="tx1"/>
+              </a:solidFill>
+              <a:headEnd type="none" w="sm" len="med"/>
+              <a:tailEnd type="triangle" w="sm" len="med"/>
+            </a:ln>
+          </p:spPr>
+          <p:style>
+            <a:lnRef idx="1">
+              <a:schemeClr val="accent1"/>
+            </a:lnRef>
+            <a:fillRef idx="0">
+              <a:schemeClr val="accent1"/>
+            </a:fillRef>
+            <a:effectRef idx="0">
+              <a:schemeClr val="accent1"/>
+            </a:effectRef>
+            <a:fontRef idx="minor">
+              <a:schemeClr val="tx1"/>
+            </a:fontRef>
+          </p:style>
+        </p:cxnSp>
+      </p:grpSp>
+      <p:sp>
+        <p:nvSpPr>
+          <p:cNvPr id="100" name="TextBox 99"/>
+          <p:cNvSpPr txBox="1"/>
+          <p:nvPr/>
+        </p:nvSpPr>
+        <p:spPr>
+          <a:xfrm>
+            <a:off x="8651911" y="4993187"/>
+            <a:ext cx="1138353" cy="200025"/>
+          </a:xfrm>
+          <a:prstGeom prst="rect">
+            <a:avLst/>
+          </a:prstGeom>
+          <a:solidFill>
+            <a:schemeClr val="bg1"/>
+          </a:solidFill>
+          <a:ln w="3175">
+            <a:noFill/>
+          </a:ln>
+        </p:spPr>
+        <p:style>
+          <a:lnRef idx="2">
+            <a:schemeClr val="accent1">
+              <a:shade val="50000"/>
+            </a:schemeClr>
+          </a:lnRef>
+          <a:fillRef idx="1">
+            <a:schemeClr val="accent1"/>
+          </a:fillRef>
+          <a:effectRef idx="0">
+            <a:schemeClr val="accent1"/>
+          </a:effectRef>
+          <a:fontRef idx="minor">
+            <a:schemeClr val="lt1"/>
+          </a:fontRef>
+        </p:style>
+        <p:txBody>
+          <a:bodyPr lIns="0" rIns="0" rtlCol="0" anchor="ctr"/>
+          <a:lstStyle>
+            <a:defPPr>
+              <a:defRPr lang="ko-KR"/>
+            </a:defPPr>
+            <a:lvl1pPr>
+              <a:defRPr sz="800">
+                <a:solidFill>
+                  <a:schemeClr val="tx1"/>
+                </a:solidFill>
+              </a:defRPr>
+            </a:lvl1pPr>
+          </a:lstStyle>
+          <a:p>
+            <a:pPr algn="ctr"/>
+            <a:r>
+              <a:rPr lang="en-US" altLang="ko-KR" dirty="0"/>
+              <a:t>/swagger-</a:t>
+            </a:r>
+            <a:r>
+              <a:rPr lang="en-US" altLang="ko-KR" dirty="0" err="1"/>
+              <a:t>ui</a:t>
+            </a:r>
+            <a:r>
+              <a:rPr lang="en-US" altLang="ko-KR" dirty="0"/>
+              <a:t>/index.html</a:t>
+            </a:r>
+            <a:endParaRPr lang="ko-KR" altLang="en-US" dirty="0"/>
+          </a:p>
+        </p:txBody>
+      </p:sp>
     </p:spTree>
     <p:extLst>
       <p:ext uri="{BB962C8B-B14F-4D97-AF65-F5344CB8AC3E}">
-        <p14:creationId xmlns:p14="http://schemas.microsoft.com/office/powerpoint/2010/main" val="600265209"/>
+        <p14:creationId xmlns:p14="http://schemas.microsoft.com/office/powerpoint/2010/main" val="1850387240"/>
       </p:ext>
     </p:extLst>
   </p:cSld>
